--- a/Interview.pptx
+++ b/Interview.pptx
@@ -5,7 +5,7 @@
     <p:sldMasterId id="2147483648" r:id="rId1"/>
   </p:sldMasterIdLst>
   <p:notesMasterIdLst>
-    <p:notesMasterId r:id="rId7"/>
+    <p:notesMasterId r:id="rId8"/>
   </p:notesMasterIdLst>
   <p:sldIdLst>
     <p:sldId id="256" r:id="rId2"/>
@@ -13,6 +13,7 @@
     <p:sldId id="262" r:id="rId4"/>
     <p:sldId id="264" r:id="rId5"/>
     <p:sldId id="265" r:id="rId6"/>
+    <p:sldId id="266" r:id="rId7"/>
   </p:sldIdLst>
   <p:sldSz cx="12192000" cy="6858000"/>
   <p:notesSz cx="6858000" cy="9144000"/>
@@ -111,6 +112,11 @@
       </a:defRPr>
     </a:lvl9pPr>
   </p:defaultTextStyle>
+  <p:extLst>
+    <p:ext uri="{EFAFB233-063F-42B5-8137-9DF3F51BA10A}">
+      <p15:sldGuideLst xmlns:p15="http://schemas.microsoft.com/office/powerpoint/2012/main"/>
+    </p:ext>
+  </p:extLst>
 </p:presentation>
 </file>
 
@@ -26169,20 +26175,20 @@
             <a:r>
               <a:rPr lang="en-GB" sz="3200" b="1" dirty="0">
                 <a:solidFill>
-                  <a:srgbClr val="006A68"/>
+                  <a:srgbClr val="009999"/>
                 </a:solidFill>
               </a:rPr>
-              <a:t>Code</a:t>
+              <a:t>Connection Code</a:t>
             </a:r>
           </a:p>
         </p:txBody>
       </p:sp>
       <p:sp>
         <p:nvSpPr>
-          <p:cNvPr id="6" name="Text Placeholder 2">
+          <p:cNvPr id="7" name="Content Placeholder 3">
             <a:extLst>
               <a:ext uri="{FF2B5EF4-FFF2-40B4-BE49-F238E27FC236}">
-                <a16:creationId xmlns:a16="http://schemas.microsoft.com/office/drawing/2014/main" id="{D1B79894-F3C6-2BCD-FAD7-4C067040AC39}"/>
+                <a16:creationId xmlns:a16="http://schemas.microsoft.com/office/drawing/2014/main" id="{9C39252D-E785-E980-DD2E-A94398E08DFE}"/>
               </a:ext>
             </a:extLst>
           </p:cNvPr>
@@ -26193,16 +26199,16 @@
         </p:nvSpPr>
         <p:spPr>
           <a:xfrm>
-            <a:off x="5907371" y="1400697"/>
-            <a:ext cx="5157787" cy="516415"/>
+            <a:off x="724689" y="4002797"/>
+            <a:ext cx="4209261" cy="2173383"/>
           </a:xfrm>
           <a:prstGeom prst="rect">
             <a:avLst/>
           </a:prstGeom>
         </p:spPr>
         <p:txBody>
-          <a:bodyPr vert="horz" lIns="91440" tIns="45720" rIns="91440" bIns="45720" rtlCol="0">
-            <a:normAutofit lnSpcReduction="10000"/>
+          <a:bodyPr>
+            <a:normAutofit fontScale="62500" lnSpcReduction="20000"/>
           </a:bodyPr>
           <a:lstStyle>
             <a:lvl1pPr marL="228600" indent="-228600" algn="l" defTabSz="914400" rtl="0" eaLnBrk="1" latinLnBrk="0" hangingPunct="1">
@@ -26373,18 +26379,92 @@
               <a:buNone/>
             </a:pPr>
             <a:r>
-              <a:rPr lang="en-GB" sz="3200" b="1" dirty="0"/>
-              <a:t>Client/User</a:t>
+              <a:rPr lang="en-GB" b="1" dirty="0">
+                <a:solidFill>
+                  <a:srgbClr val="5700CC"/>
+                </a:solidFill>
+              </a:rPr>
+              <a:t>Raspberry Pi Connection</a:t>
+            </a:r>
+          </a:p>
+          <a:p>
+            <a:pPr marL="0" indent="0">
+              <a:buNone/>
+            </a:pPr>
+            <a:r>
+              <a:rPr lang="en-GB" dirty="0"/>
+              <a:t>The MC can be connected to a local network</a:t>
+            </a:r>
+          </a:p>
+          <a:p>
+            <a:pPr marL="0" indent="0">
+              <a:buNone/>
+            </a:pPr>
+            <a:r>
+              <a:rPr lang="en-GB" dirty="0"/>
+              <a:t>Here a shared folder can be created that can hold all required data</a:t>
+            </a:r>
+          </a:p>
+          <a:p>
+            <a:pPr marL="0" indent="0">
+              <a:buNone/>
+            </a:pPr>
+            <a:r>
+              <a:rPr lang="en-GB" b="1" dirty="0">
+                <a:solidFill>
+                  <a:srgbClr val="5700CC"/>
+                </a:solidFill>
+              </a:rPr>
+              <a:t>Sensor Connection</a:t>
+            </a:r>
+          </a:p>
+          <a:p>
+            <a:pPr marL="0" indent="0">
+              <a:buNone/>
+            </a:pPr>
+            <a:r>
+              <a:rPr lang="en-GB" dirty="0"/>
+              <a:t>Multiple sensors can be read from using the one-wire bus</a:t>
             </a:r>
           </a:p>
         </p:txBody>
       </p:sp>
+      <p:pic>
+        <p:nvPicPr>
+          <p:cNvPr id="23" name="Picture 22">
+            <a:extLst>
+              <a:ext uri="{FF2B5EF4-FFF2-40B4-BE49-F238E27FC236}">
+                <a16:creationId xmlns:a16="http://schemas.microsoft.com/office/drawing/2014/main" id="{55EEC571-B789-1408-74CE-5590A95F9150}"/>
+              </a:ext>
+            </a:extLst>
+          </p:cNvPr>
+          <p:cNvPicPr>
+            <a:picLocks noChangeAspect="1"/>
+          </p:cNvPicPr>
+          <p:nvPr/>
+        </p:nvPicPr>
+        <p:blipFill>
+          <a:blip r:embed="rId3"/>
+          <a:stretch>
+            <a:fillRect/>
+          </a:stretch>
+        </p:blipFill>
+        <p:spPr>
+          <a:xfrm>
+            <a:off x="814616" y="1836740"/>
+            <a:ext cx="3886742" cy="2076740"/>
+          </a:xfrm>
+          <a:prstGeom prst="rect">
+            <a:avLst/>
+          </a:prstGeom>
+        </p:spPr>
+      </p:pic>
       <p:sp>
         <p:nvSpPr>
-          <p:cNvPr id="7" name="Content Placeholder 3">
+          <p:cNvPr id="3" name="Content Placeholder 3">
             <a:extLst>
               <a:ext uri="{FF2B5EF4-FFF2-40B4-BE49-F238E27FC236}">
-                <a16:creationId xmlns:a16="http://schemas.microsoft.com/office/drawing/2014/main" id="{9C39252D-E785-E980-DD2E-A94398E08DFE}"/>
+                <a16:creationId xmlns:a16="http://schemas.microsoft.com/office/drawing/2014/main" id="{321A1A6A-FE1F-46E3-D58F-9714A0B4F7FA}"/>
               </a:ext>
             </a:extLst>
           </p:cNvPr>
@@ -26395,8 +26475,8 @@
         </p:nvSpPr>
         <p:spPr>
           <a:xfrm>
-            <a:off x="6022470" y="1917112"/>
-            <a:ext cx="5157787" cy="4352923"/>
+            <a:off x="5403850" y="1222451"/>
+            <a:ext cx="6324600" cy="5127637"/>
           </a:xfrm>
           <a:prstGeom prst="rect">
             <a:avLst/>
@@ -26404,7 +26484,7 @@
         </p:spPr>
         <p:txBody>
           <a:bodyPr>
-            <a:normAutofit fontScale="92500" lnSpcReduction="20000"/>
+            <a:normAutofit fontScale="62500" lnSpcReduction="20000"/>
           </a:bodyPr>
           <a:lstStyle>
             <a:lvl1pPr marL="228600" indent="-228600" algn="l" defTabSz="914400" rtl="0" eaLnBrk="1" latinLnBrk="0" hangingPunct="1">
@@ -26575,51 +26655,7 @@
               <a:buNone/>
             </a:pPr>
             <a:r>
-              <a:rPr lang="en-GB" dirty="0">
-                <a:solidFill>
-                  <a:srgbClr val="5700CC"/>
-                </a:solidFill>
-              </a:rPr>
-              <a:t>Raspberry Pi Connection</a:t>
-            </a:r>
-          </a:p>
-          <a:p>
-            <a:pPr marL="0" indent="0">
-              <a:buNone/>
-            </a:pPr>
-            <a:r>
-              <a:rPr lang="en-GB" dirty="0"/>
-              <a:t>Each Paxman device will be connected to the local network, to be controlled by the app</a:t>
-            </a:r>
-          </a:p>
-          <a:p>
-            <a:pPr marL="0" indent="0">
-              <a:buNone/>
-            </a:pPr>
-            <a:r>
-              <a:rPr lang="en-GB" dirty="0">
-                <a:solidFill>
-                  <a:srgbClr val="5700CC"/>
-                </a:solidFill>
-              </a:rPr>
-              <a:t>Sensor Connection</a:t>
-            </a:r>
-          </a:p>
-          <a:p>
-            <a:pPr marL="0" indent="0">
-              <a:buNone/>
-            </a:pPr>
-            <a:r>
-              <a:rPr lang="en-GB" dirty="0"/>
-              <a:t>Monitoring of multiple devices on site</a:t>
-            </a:r>
-          </a:p>
-          <a:p>
-            <a:pPr marL="0" indent="0">
-              <a:buNone/>
-            </a:pPr>
-            <a:r>
-              <a:rPr lang="en-GB" dirty="0">
+              <a:rPr lang="en-GB" b="1" dirty="0">
                 <a:solidFill>
                   <a:srgbClr val="5700CC"/>
                 </a:solidFill>
@@ -26632,22 +26668,8 @@
               <a:buNone/>
             </a:pPr>
             <a:r>
-              <a:rPr lang="en-GB" dirty="0" err="1"/>
-              <a:t>fgh</a:t>
-            </a:r>
-            <a:endParaRPr lang="en-GB" dirty="0"/>
-          </a:p>
-          <a:p>
-            <a:pPr marL="0" indent="0">
-              <a:buNone/>
-            </a:pPr>
-            <a:r>
-              <a:rPr lang="en-GB" dirty="0">
-                <a:solidFill>
-                  <a:srgbClr val="5700CC"/>
-                </a:solidFill>
-              </a:rPr>
-              <a:t>Interface processing</a:t>
+              <a:rPr lang="en-GB" dirty="0"/>
+              <a:t>The data once received by the app or company through the cloud can then be processed</a:t>
             </a:r>
           </a:p>
           <a:p>
@@ -26655,43 +26677,189 @@
               <a:buNone/>
             </a:pPr>
             <a:r>
+              <a:rPr lang="en-GB" dirty="0"/>
+              <a:t>Processing includes conversions into correct formats (the sensor stores the temperature without the </a:t>
+            </a:r>
+            <a:r>
               <a:rPr lang="en-GB" dirty="0" err="1"/>
-              <a:t>gfhj</a:t>
+              <a:t>d.p.</a:t>
             </a:r>
-            <a:endParaRPr lang="en-GB" dirty="0"/>
+            <a:r>
+              <a:rPr lang="en-GB" dirty="0"/>
+              <a:t>) and use in R&amp;D for monitoring optimisation for patient treatments</a:t>
+            </a:r>
+          </a:p>
+          <a:p>
+            <a:pPr marL="0" indent="0">
+              <a:buNone/>
+            </a:pPr>
+            <a:r>
+              <a:rPr lang="en-GB" b="1" dirty="0">
+                <a:solidFill>
+                  <a:srgbClr val="5700CC"/>
+                </a:solidFill>
+              </a:rPr>
+              <a:t>Interface Processing</a:t>
+            </a:r>
+          </a:p>
+          <a:p>
+            <a:pPr marL="0" indent="0">
+              <a:buNone/>
+            </a:pPr>
+            <a:r>
+              <a:rPr lang="en-GB" dirty="0"/>
+              <a:t>Once configured, the data can then be shown through the interface</a:t>
+            </a:r>
+          </a:p>
+          <a:p>
+            <a:pPr marL="0" indent="0">
+              <a:buNone/>
+            </a:pPr>
+            <a:r>
+              <a:rPr lang="en-GB" dirty="0"/>
+              <a:t>Some options have been given to showcase the capabilities available</a:t>
+            </a:r>
+          </a:p>
+          <a:p>
+            <a:pPr marL="0" indent="0">
+              <a:buNone/>
+            </a:pPr>
+            <a:r>
+              <a:rPr lang="en-GB" b="1" dirty="0">
+                <a:solidFill>
+                  <a:srgbClr val="009999"/>
+                </a:solidFill>
+              </a:rPr>
+              <a:t>Standard Continuous Monitoring</a:t>
+            </a:r>
+          </a:p>
+          <a:p>
+            <a:pPr marL="0" indent="0">
+              <a:buNone/>
+            </a:pPr>
+            <a:r>
+              <a:rPr lang="en-GB" dirty="0"/>
+              <a:t>Displays the current temperature at configured intervals</a:t>
+            </a:r>
+          </a:p>
+          <a:p>
+            <a:pPr marL="0" indent="0">
+              <a:buNone/>
+            </a:pPr>
+            <a:r>
+              <a:rPr lang="en-GB" b="1" dirty="0">
+                <a:solidFill>
+                  <a:srgbClr val="009999"/>
+                </a:solidFill>
+              </a:rPr>
+              <a:t>Alert Mode</a:t>
+            </a:r>
+          </a:p>
+          <a:p>
+            <a:pPr marL="0" indent="0">
+              <a:buNone/>
+            </a:pPr>
+            <a:r>
+              <a:rPr lang="en-GB" dirty="0"/>
+              <a:t>Allows the setting of thresholds that raise alerts when crossed</a:t>
+            </a:r>
+          </a:p>
+          <a:p>
+            <a:pPr marL="0" indent="0">
+              <a:buNone/>
+            </a:pPr>
+            <a:r>
+              <a:rPr lang="en-GB" b="1" dirty="0">
+                <a:solidFill>
+                  <a:srgbClr val="009999"/>
+                </a:solidFill>
+              </a:rPr>
+              <a:t>Cloud Monitoring</a:t>
+            </a:r>
+          </a:p>
+          <a:p>
+            <a:pPr marL="0" indent="0">
+              <a:buNone/>
+            </a:pPr>
+            <a:r>
+              <a:rPr lang="en-GB" dirty="0"/>
+              <a:t>Uploads the temperature data to the App – online website for this demonstration</a:t>
+            </a:r>
           </a:p>
         </p:txBody>
       </p:sp>
-      <p:pic>
-        <p:nvPicPr>
-          <p:cNvPr id="23" name="Picture 22">
+      <p:sp>
+        <p:nvSpPr>
+          <p:cNvPr id="5" name="Rectangle: Rounded Corners 4">
+            <a:hlinkClick r:id="rId4"/>
             <a:extLst>
               <a:ext uri="{FF2B5EF4-FFF2-40B4-BE49-F238E27FC236}">
-                <a16:creationId xmlns:a16="http://schemas.microsoft.com/office/drawing/2014/main" id="{55EEC571-B789-1408-74CE-5590A95F9150}"/>
+                <a16:creationId xmlns:a16="http://schemas.microsoft.com/office/drawing/2014/main" id="{A973AAC2-38B2-BBD8-93FE-C7331AFA1C36}"/>
               </a:ext>
             </a:extLst>
           </p:cNvPr>
-          <p:cNvPicPr>
-            <a:picLocks noChangeAspect="1"/>
-          </p:cNvPicPr>
+          <p:cNvSpPr/>
           <p:nvPr/>
-        </p:nvPicPr>
-        <p:blipFill>
-          <a:blip r:embed="rId3"/>
-          <a:stretch>
-            <a:fillRect/>
-          </a:stretch>
-        </p:blipFill>
+        </p:nvSpPr>
         <p:spPr>
           <a:xfrm>
-            <a:off x="795566" y="1912889"/>
-            <a:ext cx="3886742" cy="2076740"/>
+            <a:off x="8276426" y="620042"/>
+            <a:ext cx="896496" cy="377787"/>
           </a:xfrm>
-          <a:prstGeom prst="rect">
+          <a:prstGeom prst="roundRect">
             <a:avLst/>
           </a:prstGeom>
+          <a:solidFill>
+            <a:srgbClr val="006A68"/>
+          </a:solidFill>
+          <a:ln>
+            <a:solidFill>
+              <a:srgbClr val="5A15B7"/>
+            </a:solidFill>
+          </a:ln>
+          <a:effectLst>
+            <a:outerShdw blurRad="50800" dist="38100" dir="5400000" algn="t" rotWithShape="0">
+              <a:prstClr val="black">
+                <a:alpha val="40000"/>
+              </a:prstClr>
+            </a:outerShdw>
+          </a:effectLst>
+          <a:scene3d>
+            <a:camera prst="orthographicFront"/>
+            <a:lightRig rig="threePt" dir="t"/>
+          </a:scene3d>
+          <a:sp3d>
+            <a:bevelT prst="angle"/>
+          </a:sp3d>
         </p:spPr>
-      </p:pic>
+        <p:style>
+          <a:lnRef idx="2">
+            <a:schemeClr val="accent1">
+              <a:shade val="15000"/>
+            </a:schemeClr>
+          </a:lnRef>
+          <a:fillRef idx="1">
+            <a:schemeClr val="accent1"/>
+          </a:fillRef>
+          <a:effectRef idx="0">
+            <a:schemeClr val="accent1"/>
+          </a:effectRef>
+          <a:fontRef idx="minor">
+            <a:schemeClr val="lt1"/>
+          </a:fontRef>
+        </p:style>
+        <p:txBody>
+          <a:bodyPr rtlCol="0" anchor="ctr"/>
+          <a:lstStyle/>
+          <a:p>
+            <a:pPr algn="ctr"/>
+            <a:r>
+              <a:rPr lang="en-GB" dirty="0"/>
+              <a:t>Code</a:t>
+            </a:r>
+          </a:p>
+        </p:txBody>
+      </p:sp>
     </p:spTree>
     <p:extLst>
       <p:ext uri="{BB962C8B-B14F-4D97-AF65-F5344CB8AC3E}">
@@ -29143,7 +29311,7 @@
         </p:nvGrpSpPr>
         <p:grpSpPr>
           <a:xfrm>
-            <a:off x="7082009" y="431810"/>
+            <a:off x="8202739" y="385507"/>
             <a:ext cx="3072308" cy="3129874"/>
             <a:chOff x="762382" y="1518228"/>
             <a:chExt cx="2476500" cy="2660408"/>
@@ -29813,120 +29981,6 @@
       </p:grpSp>
       <p:sp>
         <p:nvSpPr>
-          <p:cNvPr id="34" name="Rectangle 33">
-            <a:extLst>
-              <a:ext uri="{FF2B5EF4-FFF2-40B4-BE49-F238E27FC236}">
-                <a16:creationId xmlns:a16="http://schemas.microsoft.com/office/drawing/2014/main" id="{6545A6FE-7664-62D5-6AD9-E2A0690DA2FF}"/>
-              </a:ext>
-            </a:extLst>
-          </p:cNvPr>
-          <p:cNvSpPr/>
-          <p:nvPr/>
-        </p:nvSpPr>
-        <p:spPr>
-          <a:xfrm>
-            <a:off x="746183" y="1512392"/>
-            <a:ext cx="4842537" cy="4005980"/>
-          </a:xfrm>
-          <a:prstGeom prst="rect">
-            <a:avLst/>
-          </a:prstGeom>
-          <a:solidFill>
-            <a:srgbClr val="4B00B0"/>
-          </a:solidFill>
-          <a:ln>
-            <a:solidFill>
-              <a:srgbClr val="006A68"/>
-            </a:solidFill>
-          </a:ln>
-        </p:spPr>
-        <p:style>
-          <a:lnRef idx="2">
-            <a:schemeClr val="accent1">
-              <a:shade val="15000"/>
-            </a:schemeClr>
-          </a:lnRef>
-          <a:fillRef idx="1">
-            <a:schemeClr val="accent1"/>
-          </a:fillRef>
-          <a:effectRef idx="0">
-            <a:schemeClr val="accent1"/>
-          </a:effectRef>
-          <a:fontRef idx="minor">
-            <a:schemeClr val="lt1"/>
-          </a:fontRef>
-        </p:style>
-        <p:txBody>
-          <a:bodyPr rtlCol="0" anchor="ctr"/>
-          <a:lstStyle/>
-          <a:p>
-            <a:pPr algn="ctr"/>
-            <a:r>
-              <a:rPr lang="en-GB" dirty="0"/>
-              <a:t> Cam 2</a:t>
-            </a:r>
-          </a:p>
-        </p:txBody>
-      </p:sp>
-      <p:sp>
-        <p:nvSpPr>
-          <p:cNvPr id="35" name="Rectangle 34">
-            <a:extLst>
-              <a:ext uri="{FF2B5EF4-FFF2-40B4-BE49-F238E27FC236}">
-                <a16:creationId xmlns:a16="http://schemas.microsoft.com/office/drawing/2014/main" id="{EF70F6E4-BEE4-D1BB-014B-D462E7D41833}"/>
-              </a:ext>
-            </a:extLst>
-          </p:cNvPr>
-          <p:cNvSpPr/>
-          <p:nvPr/>
-        </p:nvSpPr>
-        <p:spPr>
-          <a:xfrm>
-            <a:off x="6510869" y="3833248"/>
-            <a:ext cx="4326931" cy="2201701"/>
-          </a:xfrm>
-          <a:prstGeom prst="rect">
-            <a:avLst/>
-          </a:prstGeom>
-          <a:solidFill>
-            <a:srgbClr val="4B00B0"/>
-          </a:solidFill>
-          <a:ln>
-            <a:solidFill>
-              <a:srgbClr val="006A68"/>
-            </a:solidFill>
-          </a:ln>
-        </p:spPr>
-        <p:style>
-          <a:lnRef idx="2">
-            <a:schemeClr val="accent1">
-              <a:shade val="15000"/>
-            </a:schemeClr>
-          </a:lnRef>
-          <a:fillRef idx="1">
-            <a:schemeClr val="accent1"/>
-          </a:fillRef>
-          <a:effectRef idx="0">
-            <a:schemeClr val="accent1"/>
-          </a:effectRef>
-          <a:fontRef idx="minor">
-            <a:schemeClr val="lt1"/>
-          </a:fontRef>
-        </p:style>
-        <p:txBody>
-          <a:bodyPr rtlCol="0" anchor="ctr"/>
-          <a:lstStyle/>
-          <a:p>
-            <a:pPr algn="ctr"/>
-            <a:r>
-              <a:rPr lang="en-GB" dirty="0"/>
-              <a:t>Console Interface</a:t>
-            </a:r>
-          </a:p>
-        </p:txBody>
-      </p:sp>
-      <p:sp>
-        <p:nvSpPr>
           <p:cNvPr id="36" name="Rectangle: Rounded Corners 35">
             <a:hlinkClick r:id="rId4"/>
             <a:extLst>
@@ -29940,7 +29994,7 @@
         </p:nvSpPr>
         <p:spPr>
           <a:xfrm>
-            <a:off x="6389290" y="2821303"/>
+            <a:off x="6933696" y="2376188"/>
             <a:ext cx="896496" cy="377787"/>
           </a:xfrm>
           <a:prstGeom prst="roundRect">
@@ -29993,6 +30047,184 @@
             <a:r>
               <a:rPr lang="en-GB" dirty="0"/>
               <a:t>Online</a:t>
+            </a:r>
+          </a:p>
+        </p:txBody>
+      </p:sp>
+      <p:pic>
+        <p:nvPicPr>
+          <p:cNvPr id="9" name="Picture 8">
+            <a:extLst>
+              <a:ext uri="{FF2B5EF4-FFF2-40B4-BE49-F238E27FC236}">
+                <a16:creationId xmlns:a16="http://schemas.microsoft.com/office/drawing/2014/main" id="{B98A515B-D770-0278-5996-D8F9948ADC07}"/>
+              </a:ext>
+            </a:extLst>
+          </p:cNvPr>
+          <p:cNvPicPr>
+            <a:picLocks noChangeAspect="1"/>
+          </p:cNvPicPr>
+          <p:nvPr/>
+        </p:nvPicPr>
+        <p:blipFill>
+          <a:blip r:embed="rId5"/>
+          <a:stretch>
+            <a:fillRect/>
+          </a:stretch>
+        </p:blipFill>
+        <p:spPr>
+          <a:xfrm>
+            <a:off x="1609160" y="1548589"/>
+            <a:ext cx="3234191" cy="3933585"/>
+          </a:xfrm>
+          <a:prstGeom prst="rect">
+            <a:avLst/>
+          </a:prstGeom>
+        </p:spPr>
+      </p:pic>
+      <p:sp>
+        <p:nvSpPr>
+          <p:cNvPr id="34" name="Rectangle 33">
+            <a:extLst>
+              <a:ext uri="{FF2B5EF4-FFF2-40B4-BE49-F238E27FC236}">
+                <a16:creationId xmlns:a16="http://schemas.microsoft.com/office/drawing/2014/main" id="{6545A6FE-7664-62D5-6AD9-E2A0690DA2FF}"/>
+              </a:ext>
+            </a:extLst>
+          </p:cNvPr>
+          <p:cNvSpPr/>
+          <p:nvPr/>
+        </p:nvSpPr>
+        <p:spPr>
+          <a:xfrm>
+            <a:off x="746183" y="1512392"/>
+            <a:ext cx="4842537" cy="4005980"/>
+          </a:xfrm>
+          <a:prstGeom prst="rect">
+            <a:avLst/>
+          </a:prstGeom>
+          <a:solidFill>
+            <a:srgbClr val="4B00B0">
+              <a:alpha val="40000"/>
+            </a:srgbClr>
+          </a:solidFill>
+          <a:ln>
+            <a:solidFill>
+              <a:srgbClr val="006A68"/>
+            </a:solidFill>
+          </a:ln>
+        </p:spPr>
+        <p:style>
+          <a:lnRef idx="2">
+            <a:schemeClr val="accent1">
+              <a:shade val="15000"/>
+            </a:schemeClr>
+          </a:lnRef>
+          <a:fillRef idx="1">
+            <a:schemeClr val="accent1"/>
+          </a:fillRef>
+          <a:effectRef idx="0">
+            <a:schemeClr val="accent1"/>
+          </a:effectRef>
+          <a:fontRef idx="minor">
+            <a:schemeClr val="lt1"/>
+          </a:fontRef>
+        </p:style>
+        <p:txBody>
+          <a:bodyPr rtlCol="0" anchor="ctr"/>
+          <a:lstStyle/>
+          <a:p>
+            <a:pPr algn="ctr"/>
+            <a:r>
+              <a:rPr lang="en-GB" dirty="0"/>
+              <a:t> Demo Cam</a:t>
+            </a:r>
+          </a:p>
+        </p:txBody>
+      </p:sp>
+      <p:pic>
+        <p:nvPicPr>
+          <p:cNvPr id="19" name="Picture 18">
+            <a:extLst>
+              <a:ext uri="{FF2B5EF4-FFF2-40B4-BE49-F238E27FC236}">
+                <a16:creationId xmlns:a16="http://schemas.microsoft.com/office/drawing/2014/main" id="{82220F9A-4D8B-105D-6FE5-E67134F74060}"/>
+              </a:ext>
+            </a:extLst>
+          </p:cNvPr>
+          <p:cNvPicPr>
+            <a:picLocks noChangeAspect="1"/>
+          </p:cNvPicPr>
+          <p:nvPr/>
+        </p:nvPicPr>
+        <p:blipFill>
+          <a:blip r:embed="rId6"/>
+          <a:stretch>
+            <a:fillRect/>
+          </a:stretch>
+        </p:blipFill>
+        <p:spPr>
+          <a:xfrm>
+            <a:off x="6944830" y="3904382"/>
+            <a:ext cx="3510738" cy="2002992"/>
+          </a:xfrm>
+          <a:prstGeom prst="rect">
+            <a:avLst/>
+          </a:prstGeom>
+        </p:spPr>
+      </p:pic>
+      <p:sp>
+        <p:nvSpPr>
+          <p:cNvPr id="35" name="Rectangle 34">
+            <a:extLst>
+              <a:ext uri="{FF2B5EF4-FFF2-40B4-BE49-F238E27FC236}">
+                <a16:creationId xmlns:a16="http://schemas.microsoft.com/office/drawing/2014/main" id="{EF70F6E4-BEE4-D1BB-014B-D462E7D41833}"/>
+              </a:ext>
+            </a:extLst>
+          </p:cNvPr>
+          <p:cNvSpPr/>
+          <p:nvPr/>
+        </p:nvSpPr>
+        <p:spPr>
+          <a:xfrm>
+            <a:off x="6510869" y="3833248"/>
+            <a:ext cx="4326931" cy="2201701"/>
+          </a:xfrm>
+          <a:prstGeom prst="rect">
+            <a:avLst/>
+          </a:prstGeom>
+          <a:solidFill>
+            <a:srgbClr val="4B00B0">
+              <a:alpha val="38000"/>
+            </a:srgbClr>
+          </a:solidFill>
+          <a:ln>
+            <a:solidFill>
+              <a:srgbClr val="006A68"/>
+            </a:solidFill>
+          </a:ln>
+        </p:spPr>
+        <p:style>
+          <a:lnRef idx="2">
+            <a:schemeClr val="accent1">
+              <a:shade val="15000"/>
+            </a:schemeClr>
+          </a:lnRef>
+          <a:fillRef idx="1">
+            <a:schemeClr val="accent1"/>
+          </a:fillRef>
+          <a:effectRef idx="0">
+            <a:schemeClr val="accent1"/>
+          </a:effectRef>
+          <a:fontRef idx="minor">
+            <a:schemeClr val="lt1"/>
+          </a:fontRef>
+        </p:style>
+        <p:txBody>
+          <a:bodyPr rtlCol="0" anchor="ctr"/>
+          <a:lstStyle/>
+          <a:p>
+            <a:pPr algn="ctr"/>
+            <a:r>
+              <a:rPr lang="en-GB" dirty="0"/>
+              <a:t>Console Interface</a:t>
             </a:r>
           </a:p>
         </p:txBody>
@@ -30068,6 +30300,94 @@
                       </p:childTnLst>
                     </p:cTn>
                   </p:par>
+                  <p:par>
+                    <p:cTn id="8" fill="hold">
+                      <p:stCondLst>
+                        <p:cond delay="indefinite"/>
+                      </p:stCondLst>
+                      <p:childTnLst>
+                        <p:par>
+                          <p:cTn id="9" fill="hold">
+                            <p:stCondLst>
+                              <p:cond delay="0"/>
+                            </p:stCondLst>
+                            <p:childTnLst>
+                              <p:par>
+                                <p:cTn id="10" presetID="10" presetClass="entr" presetSubtype="0" fill="hold" grpId="0" nodeType="clickEffect">
+                                  <p:stCondLst>
+                                    <p:cond delay="0"/>
+                                  </p:stCondLst>
+                                  <p:childTnLst>
+                                    <p:set>
+                                      <p:cBhvr>
+                                        <p:cTn id="11" dur="1" fill="hold">
+                                          <p:stCondLst>
+                                            <p:cond delay="0"/>
+                                          </p:stCondLst>
+                                        </p:cTn>
+                                        <p:tgtEl>
+                                          <p:spTgt spid="34"/>
+                                        </p:tgtEl>
+                                        <p:attrNameLst>
+                                          <p:attrName>style.visibility</p:attrName>
+                                        </p:attrNameLst>
+                                      </p:cBhvr>
+                                      <p:to>
+                                        <p:strVal val="visible"/>
+                                      </p:to>
+                                    </p:set>
+                                    <p:animEffect transition="in" filter="fade">
+                                      <p:cBhvr>
+                                        <p:cTn id="12" dur="500"/>
+                                        <p:tgtEl>
+                                          <p:spTgt spid="34"/>
+                                        </p:tgtEl>
+                                      </p:cBhvr>
+                                    </p:animEffect>
+                                  </p:childTnLst>
+                                </p:cTn>
+                              </p:par>
+                              <p:par>
+                                <p:cTn id="13" presetID="10" presetClass="entr" presetSubtype="0" fill="hold" grpId="0" nodeType="withEffect">
+                                  <p:stCondLst>
+                                    <p:cond delay="0"/>
+                                  </p:stCondLst>
+                                  <p:childTnLst>
+                                    <p:set>
+                                      <p:cBhvr>
+                                        <p:cTn id="14" dur="1" fill="hold">
+                                          <p:stCondLst>
+                                            <p:cond delay="0"/>
+                                          </p:stCondLst>
+                                        </p:cTn>
+                                        <p:tgtEl>
+                                          <p:spTgt spid="35"/>
+                                        </p:tgtEl>
+                                        <p:attrNameLst>
+                                          <p:attrName>style.visibility</p:attrName>
+                                        </p:attrNameLst>
+                                      </p:cBhvr>
+                                      <p:to>
+                                        <p:strVal val="visible"/>
+                                      </p:to>
+                                    </p:set>
+                                    <p:animEffect transition="in" filter="fade">
+                                      <p:cBhvr>
+                                        <p:cTn id="15" dur="500"/>
+                                        <p:tgtEl>
+                                          <p:spTgt spid="35"/>
+                                        </p:tgtEl>
+                                      </p:cBhvr>
+                                    </p:animEffect>
+                                  </p:childTnLst>
+                                </p:cTn>
+                              </p:par>
+                            </p:childTnLst>
+                          </p:cTn>
+                        </p:par>
+                      </p:childTnLst>
+                    </p:cTn>
+                  </p:par>
                 </p:childTnLst>
               </p:cTn>
               <p:prevCondLst>
@@ -30091,8 +30411,2730 @@
     </p:tnLst>
     <p:bldLst>
       <p:bldP spid="36" grpId="0" animBg="1"/>
+      <p:bldP spid="34" grpId="0" animBg="1"/>
+      <p:bldP spid="35" grpId="0" animBg="1"/>
     </p:bldLst>
   </p:timing>
+</p:sld>
+</file>
+
+<file path=ppt/slides/slide6.xml><?xml version="1.0" encoding="utf-8"?>
+<p:sld xmlns:a="http://schemas.openxmlformats.org/drawingml/2006/main" xmlns:r="http://schemas.openxmlformats.org/officeDocument/2006/relationships" xmlns:p="http://schemas.openxmlformats.org/presentationml/2006/main">
+  <p:cSld>
+    <p:bg>
+      <p:bgPr>
+        <a:solidFill>
+          <a:schemeClr val="tx1">
+            <a:lumMod val="75000"/>
+          </a:schemeClr>
+        </a:solidFill>
+        <a:effectLst/>
+      </p:bgPr>
+    </p:bg>
+    <p:spTree>
+      <p:nvGrpSpPr>
+        <p:cNvPr id="1" name="">
+          <a:extLst>
+            <a:ext uri="{FF2B5EF4-FFF2-40B4-BE49-F238E27FC236}">
+              <a16:creationId xmlns:a16="http://schemas.microsoft.com/office/drawing/2014/main" id="{5958A5B7-9F47-A21C-D44E-5D633D55EC7E}"/>
+            </a:ext>
+          </a:extLst>
+        </p:cNvPr>
+        <p:cNvGrpSpPr/>
+        <p:nvPr/>
+      </p:nvGrpSpPr>
+      <p:grpSpPr>
+        <a:xfrm>
+          <a:off x="0" y="0"/>
+          <a:ext cx="0" cy="0"/>
+          <a:chOff x="0" y="0"/>
+          <a:chExt cx="0" cy="0"/>
+        </a:xfrm>
+      </p:grpSpPr>
+      <p:sp useBgFill="1">
+        <p:nvSpPr>
+          <p:cNvPr id="8" name="Rectangle 7">
+            <a:extLst>
+              <a:ext uri="{FF2B5EF4-FFF2-40B4-BE49-F238E27FC236}">
+                <a16:creationId xmlns:a16="http://schemas.microsoft.com/office/drawing/2014/main" id="{014C4FD9-F715-E7D0-BEA2-73F9D401E4C9}"/>
+              </a:ext>
+              <a:ext uri="{C183D7F6-B498-43B3-948B-1728B52AA6E4}">
+                <adec:decorative xmlns:adec="http://schemas.microsoft.com/office/drawing/2017/decorative" val="1"/>
+              </a:ext>
+            </a:extLst>
+          </p:cNvPr>
+          <p:cNvSpPr>
+            <a:spLocks noGrp="1" noRot="1" noChangeAspect="1" noMove="1" noResize="1" noEditPoints="1" noAdjustHandles="1" noChangeArrowheads="1" noChangeShapeType="1" noTextEdit="1"/>
+          </p:cNvSpPr>
+          <p:nvPr>
+            <p:extLst>
+              <p:ext uri="{386F3935-93C4-4BCD-93E2-E3B085C9AB24}">
+                <p16:designElem xmlns:p16="http://schemas.microsoft.com/office/powerpoint/2015/main" val="1"/>
+              </p:ext>
+            </p:extLst>
+          </p:nvPr>
+        </p:nvSpPr>
+        <p:spPr>
+          <a:xfrm>
+            <a:off x="0" y="0"/>
+            <a:ext cx="12192000" cy="6858000"/>
+          </a:xfrm>
+          <a:prstGeom prst="rect">
+            <a:avLst/>
+          </a:prstGeom>
+          <a:ln w="12700" cap="flat" cmpd="sng" algn="ctr">
+            <a:noFill/>
+            <a:prstDash val="solid"/>
+            <a:miter lim="800000"/>
+          </a:ln>
+          <a:effectLst/>
+        </p:spPr>
+        <p:style>
+          <a:lnRef idx="2">
+            <a:schemeClr val="accent1">
+              <a:shade val="50000"/>
+            </a:schemeClr>
+          </a:lnRef>
+          <a:fillRef idx="1">
+            <a:schemeClr val="accent1"/>
+          </a:fillRef>
+          <a:effectRef idx="0">
+            <a:schemeClr val="accent1"/>
+          </a:effectRef>
+          <a:fontRef idx="minor">
+            <a:schemeClr val="lt1"/>
+          </a:fontRef>
+        </p:style>
+        <p:txBody>
+          <a:bodyPr rtlCol="0" anchor="ctr"/>
+          <a:lstStyle/>
+          <a:p>
+            <a:pPr algn="ctr"/>
+            <a:endParaRPr lang="en-US"/>
+          </a:p>
+        </p:txBody>
+      </p:sp>
+      <p:sp>
+        <p:nvSpPr>
+          <p:cNvPr id="2" name="Title 1">
+            <a:extLst>
+              <a:ext uri="{FF2B5EF4-FFF2-40B4-BE49-F238E27FC236}">
+                <a16:creationId xmlns:a16="http://schemas.microsoft.com/office/drawing/2014/main" id="{5D9A8CC8-4F26-5D2E-FEBF-8E898C6EDA22}"/>
+              </a:ext>
+            </a:extLst>
+          </p:cNvPr>
+          <p:cNvSpPr>
+            <a:spLocks noGrp="1"/>
+          </p:cNvSpPr>
+          <p:nvPr>
+            <p:ph type="title"/>
+          </p:nvPr>
+        </p:nvSpPr>
+        <p:spPr>
+          <a:xfrm>
+            <a:off x="658090" y="507912"/>
+            <a:ext cx="5613098" cy="643081"/>
+          </a:xfrm>
+        </p:spPr>
+        <p:txBody>
+          <a:bodyPr anchor="t">
+            <a:noAutofit/>
+          </a:bodyPr>
+          <a:lstStyle/>
+          <a:p>
+            <a:r>
+              <a:rPr lang="en-GB" sz="4000" b="1" dirty="0"/>
+              <a:t>Conclusion</a:t>
+            </a:r>
+          </a:p>
+        </p:txBody>
+      </p:sp>
+      <p:grpSp>
+        <p:nvGrpSpPr>
+          <p:cNvPr id="10" name="Group 9">
+            <a:extLst>
+              <a:ext uri="{FF2B5EF4-FFF2-40B4-BE49-F238E27FC236}">
+                <a16:creationId xmlns:a16="http://schemas.microsoft.com/office/drawing/2014/main" id="{16127D1A-7580-B62F-D5AA-D9A7ADBC5748}"/>
+              </a:ext>
+              <a:ext uri="{C183D7F6-B498-43B3-948B-1728B52AA6E4}">
+                <adec:decorative xmlns:adec="http://schemas.microsoft.com/office/drawing/2017/decorative" val="1"/>
+              </a:ext>
+            </a:extLst>
+          </p:cNvPr>
+          <p:cNvGrpSpPr>
+            <a:grpSpLocks noGrp="1" noUngrp="1" noRot="1" noChangeAspect="1" noMove="1" noResize="1"/>
+          </p:cNvGrpSpPr>
+          <p:nvPr>
+            <p:extLst>
+              <p:ext uri="{386F3935-93C4-4BCD-93E2-E3B085C9AB24}">
+                <p16:designElem xmlns:p16="http://schemas.microsoft.com/office/powerpoint/2015/main" val="1"/>
+              </p:ext>
+            </p:extLst>
+          </p:nvPr>
+        </p:nvGrpSpPr>
+        <p:grpSpPr>
+          <a:xfrm>
+            <a:off x="0" y="6142518"/>
+            <a:ext cx="10455568" cy="715482"/>
+            <a:chOff x="0" y="6142518"/>
+            <a:chExt cx="10455568" cy="715482"/>
+          </a:xfrm>
+          <a:effectLst>
+            <a:outerShdw blurRad="381000" dist="152400" dir="16200000" algn="ctr" rotWithShape="0">
+              <a:srgbClr val="000000">
+                <a:alpha val="10000"/>
+              </a:srgbClr>
+            </a:outerShdw>
+          </a:effectLst>
+        </p:grpSpPr>
+        <p:sp>
+          <p:nvSpPr>
+            <p:cNvPr id="11" name="Freeform: Shape 10">
+              <a:extLst>
+                <a:ext uri="{FF2B5EF4-FFF2-40B4-BE49-F238E27FC236}">
+                  <a16:creationId xmlns:a16="http://schemas.microsoft.com/office/drawing/2014/main" id="{B92CD62E-DAB5-296D-44B3-A949CF5D135B}"/>
+                </a:ext>
+                <a:ext uri="{C183D7F6-B498-43B3-948B-1728B52AA6E4}">
+                  <adec:decorative xmlns:adec="http://schemas.microsoft.com/office/drawing/2017/decorative" val="1"/>
+                </a:ext>
+              </a:extLst>
+            </p:cNvPr>
+            <p:cNvSpPr/>
+            <p:nvPr>
+              <p:extLst>
+                <p:ext uri="{386F3935-93C4-4BCD-93E2-E3B085C9AB24}">
+                  <p16:designElem xmlns:p16="http://schemas.microsoft.com/office/powerpoint/2015/main" val="1"/>
+                </p:ext>
+              </p:extLst>
+            </p:nvPr>
+          </p:nvSpPr>
+          <p:spPr>
+            <a:xfrm>
+              <a:off x="6117789" y="6848400"/>
+              <a:ext cx="153399" cy="9600"/>
+            </a:xfrm>
+            <a:custGeom>
+              <a:avLst/>
+              <a:gdLst>
+                <a:gd name="connsiteX0" fmla="*/ 92746 w 153399"/>
+                <a:gd name="connsiteY0" fmla="*/ 43 h 9600"/>
+                <a:gd name="connsiteX1" fmla="*/ 144918 w 153399"/>
+                <a:gd name="connsiteY1" fmla="*/ 6433 h 9600"/>
+                <a:gd name="connsiteX2" fmla="*/ 153399 w 153399"/>
+                <a:gd name="connsiteY2" fmla="*/ 9600 h 9600"/>
+                <a:gd name="connsiteX3" fmla="*/ 0 w 153399"/>
+                <a:gd name="connsiteY3" fmla="*/ 9600 h 9600"/>
+                <a:gd name="connsiteX4" fmla="*/ 26678 w 153399"/>
+                <a:gd name="connsiteY4" fmla="*/ 6286 h 9600"/>
+                <a:gd name="connsiteX5" fmla="*/ 92746 w 153399"/>
+                <a:gd name="connsiteY5" fmla="*/ 43 h 9600"/>
+              </a:gdLst>
+              <a:ahLst/>
+              <a:cxnLst>
+                <a:cxn ang="0">
+                  <a:pos x="connsiteX0" y="connsiteY0"/>
+                </a:cxn>
+                <a:cxn ang="0">
+                  <a:pos x="connsiteX1" y="connsiteY1"/>
+                </a:cxn>
+                <a:cxn ang="0">
+                  <a:pos x="connsiteX2" y="connsiteY2"/>
+                </a:cxn>
+                <a:cxn ang="0">
+                  <a:pos x="connsiteX3" y="connsiteY3"/>
+                </a:cxn>
+                <a:cxn ang="0">
+                  <a:pos x="connsiteX4" y="connsiteY4"/>
+                </a:cxn>
+                <a:cxn ang="0">
+                  <a:pos x="connsiteX5" y="connsiteY5"/>
+                </a:cxn>
+              </a:cxnLst>
+              <a:rect l="l" t="t" r="r" b="b"/>
+              <a:pathLst>
+                <a:path w="153399" h="9600">
+                  <a:moveTo>
+                    <a:pt x="92746" y="43"/>
+                  </a:moveTo>
+                  <a:cubicBezTo>
+                    <a:pt x="111004" y="-358"/>
+                    <a:pt x="128295" y="2072"/>
+                    <a:pt x="144918" y="6433"/>
+                  </a:cubicBezTo>
+                  <a:lnTo>
+                    <a:pt x="153399" y="9600"/>
+                  </a:lnTo>
+                  <a:lnTo>
+                    <a:pt x="0" y="9600"/>
+                  </a:lnTo>
+                  <a:lnTo>
+                    <a:pt x="26678" y="6286"/>
+                  </a:lnTo>
+                  <a:cubicBezTo>
+                    <a:pt x="48667" y="3255"/>
+                    <a:pt x="70647" y="552"/>
+                    <a:pt x="92746" y="43"/>
+                  </a:cubicBezTo>
+                  <a:close/>
+                </a:path>
+              </a:pathLst>
+            </a:custGeom>
+            <a:blipFill dpi="0" rotWithShape="1">
+              <a:blip r:embed="rId2">
+                <a:alphaModFix amt="57000"/>
+              </a:blip>
+              <a:srcRect/>
+              <a:tile tx="0" ty="0" sx="100000" sy="100000" flip="none" algn="tl"/>
+            </a:blipFill>
+            <a:ln>
+              <a:noFill/>
+            </a:ln>
+            <a:effectLst/>
+          </p:spPr>
+          <p:style>
+            <a:lnRef idx="2">
+              <a:schemeClr val="accent1">
+                <a:shade val="50000"/>
+              </a:schemeClr>
+            </a:lnRef>
+            <a:fillRef idx="1">
+              <a:schemeClr val="accent1"/>
+            </a:fillRef>
+            <a:effectRef idx="0">
+              <a:schemeClr val="accent1"/>
+            </a:effectRef>
+            <a:fontRef idx="minor">
+              <a:schemeClr val="lt1"/>
+            </a:fontRef>
+          </p:style>
+          <p:txBody>
+            <a:bodyPr wrap="square" rtlCol="0" anchor="ctr">
+              <a:noAutofit/>
+            </a:bodyPr>
+            <a:lstStyle/>
+            <a:p>
+              <a:pPr algn="ctr"/>
+              <a:endParaRPr lang="en-US"/>
+            </a:p>
+          </p:txBody>
+        </p:sp>
+        <p:grpSp>
+          <p:nvGrpSpPr>
+            <p:cNvPr id="20" name="Group 19">
+              <a:extLst>
+                <a:ext uri="{FF2B5EF4-FFF2-40B4-BE49-F238E27FC236}">
+                  <a16:creationId xmlns:a16="http://schemas.microsoft.com/office/drawing/2014/main" id="{261981FB-6F35-D0D5-47C6-42BC93C6400B}"/>
+                </a:ext>
+                <a:ext uri="{C183D7F6-B498-43B3-948B-1728B52AA6E4}">
+                  <adec:decorative xmlns:adec="http://schemas.microsoft.com/office/drawing/2017/decorative" val="1"/>
+                </a:ext>
+              </a:extLst>
+            </p:cNvPr>
+            <p:cNvGrpSpPr/>
+            <p:nvPr>
+              <p:extLst>
+                <p:ext uri="{386F3935-93C4-4BCD-93E2-E3B085C9AB24}">
+                  <p16:designElem xmlns:p16="http://schemas.microsoft.com/office/powerpoint/2015/main" val="1"/>
+                </p:ext>
+              </p:extLst>
+            </p:nvPr>
+          </p:nvGrpSpPr>
+          <p:grpSpPr>
+            <a:xfrm rot="10800000" flipH="1">
+              <a:off x="0" y="6142518"/>
+              <a:ext cx="10455568" cy="715481"/>
+              <a:chOff x="0" y="0"/>
+              <a:chExt cx="10455568" cy="715481"/>
+            </a:xfrm>
+          </p:grpSpPr>
+          <p:sp>
+            <p:nvSpPr>
+              <p:cNvPr id="13" name="Freeform: Shape 12">
+                <a:extLst>
+                  <a:ext uri="{FF2B5EF4-FFF2-40B4-BE49-F238E27FC236}">
+                    <a16:creationId xmlns:a16="http://schemas.microsoft.com/office/drawing/2014/main" id="{E21B5548-5BEA-B83A-BAE6-5A9DAC95D218}"/>
+                  </a:ext>
+                  <a:ext uri="{C183D7F6-B498-43B3-948B-1728B52AA6E4}">
+                    <adec:decorative xmlns:adec="http://schemas.microsoft.com/office/drawing/2017/decorative" val="1"/>
+                  </a:ext>
+                </a:extLst>
+              </p:cNvPr>
+              <p:cNvSpPr/>
+              <p:nvPr>
+                <p:extLst>
+                  <p:ext uri="{386F3935-93C4-4BCD-93E2-E3B085C9AB24}">
+                    <p16:designElem xmlns:p16="http://schemas.microsoft.com/office/powerpoint/2015/main" val="1"/>
+                  </p:ext>
+                </p:extLst>
+              </p:nvPr>
+            </p:nvSpPr>
+            <p:spPr>
+              <a:xfrm>
+                <a:off x="0" y="2"/>
+                <a:ext cx="10455568" cy="715479"/>
+              </a:xfrm>
+              <a:custGeom>
+                <a:avLst/>
+                <a:gdLst>
+                  <a:gd name="connsiteX0" fmla="*/ 0 w 10455568"/>
+                  <a:gd name="connsiteY0" fmla="*/ 0 h 715479"/>
+                  <a:gd name="connsiteX1" fmla="*/ 10455568 w 10455568"/>
+                  <a:gd name="connsiteY1" fmla="*/ 0 h 715479"/>
+                  <a:gd name="connsiteX2" fmla="*/ 10434629 w 10455568"/>
+                  <a:gd name="connsiteY2" fmla="*/ 8947 h 715479"/>
+                  <a:gd name="connsiteX3" fmla="*/ 10249341 w 10455568"/>
+                  <a:gd name="connsiteY3" fmla="*/ 73146 h 715479"/>
+                  <a:gd name="connsiteX4" fmla="*/ 10172148 w 10455568"/>
+                  <a:gd name="connsiteY4" fmla="*/ 103170 h 715479"/>
+                  <a:gd name="connsiteX5" fmla="*/ 9994576 w 10455568"/>
+                  <a:gd name="connsiteY5" fmla="*/ 156647 h 715479"/>
+                  <a:gd name="connsiteX6" fmla="*/ 9894474 w 10455568"/>
+                  <a:gd name="connsiteY6" fmla="*/ 192604 h 715479"/>
+                  <a:gd name="connsiteX7" fmla="*/ 9647603 w 10455568"/>
+                  <a:gd name="connsiteY7" fmla="*/ 242354 h 715479"/>
+                  <a:gd name="connsiteX8" fmla="*/ 9392533 w 10455568"/>
+                  <a:gd name="connsiteY8" fmla="*/ 291498 h 715479"/>
+                  <a:gd name="connsiteX9" fmla="*/ 9252019 w 10455568"/>
+                  <a:gd name="connsiteY9" fmla="*/ 311564 h 715479"/>
+                  <a:gd name="connsiteX10" fmla="*/ 9129899 w 10455568"/>
+                  <a:gd name="connsiteY10" fmla="*/ 336497 h 715479"/>
+                  <a:gd name="connsiteX11" fmla="*/ 9023312 w 10455568"/>
+                  <a:gd name="connsiteY11" fmla="*/ 354253 h 715479"/>
+                  <a:gd name="connsiteX12" fmla="*/ 8853949 w 10455568"/>
+                  <a:gd name="connsiteY12" fmla="*/ 387064 h 715479"/>
+                  <a:gd name="connsiteX13" fmla="*/ 8783278 w 10455568"/>
+                  <a:gd name="connsiteY13" fmla="*/ 397418 h 715479"/>
+                  <a:gd name="connsiteX14" fmla="*/ 8615640 w 10455568"/>
+                  <a:gd name="connsiteY14" fmla="*/ 408552 h 715479"/>
+                  <a:gd name="connsiteX15" fmla="*/ 8557154 w 10455568"/>
+                  <a:gd name="connsiteY15" fmla="*/ 409627 h 715479"/>
+                  <a:gd name="connsiteX16" fmla="*/ 8442474 w 10455568"/>
+                  <a:gd name="connsiteY16" fmla="*/ 381318 h 715479"/>
+                  <a:gd name="connsiteX17" fmla="*/ 8428959 w 10455568"/>
+                  <a:gd name="connsiteY17" fmla="*/ 379618 h 715479"/>
+                  <a:gd name="connsiteX18" fmla="*/ 8354329 w 10455568"/>
+                  <a:gd name="connsiteY18" fmla="*/ 370428 h 715479"/>
+                  <a:gd name="connsiteX19" fmla="*/ 8313705 w 10455568"/>
+                  <a:gd name="connsiteY19" fmla="*/ 368535 h 715479"/>
+                  <a:gd name="connsiteX20" fmla="*/ 8158571 w 10455568"/>
+                  <a:gd name="connsiteY20" fmla="*/ 349396 h 715479"/>
+                  <a:gd name="connsiteX21" fmla="*/ 8069467 w 10455568"/>
+                  <a:gd name="connsiteY21" fmla="*/ 341485 h 715479"/>
+                  <a:gd name="connsiteX22" fmla="*/ 7998265 w 10455568"/>
+                  <a:gd name="connsiteY22" fmla="*/ 348379 h 715479"/>
+                  <a:gd name="connsiteX23" fmla="*/ 7873167 w 10455568"/>
+                  <a:gd name="connsiteY23" fmla="*/ 359529 h 715479"/>
+                  <a:gd name="connsiteX24" fmla="*/ 7833600 w 10455568"/>
+                  <a:gd name="connsiteY24" fmla="*/ 368926 h 715479"/>
+                  <a:gd name="connsiteX25" fmla="*/ 7651338 w 10455568"/>
+                  <a:gd name="connsiteY25" fmla="*/ 362121 h 715479"/>
+                  <a:gd name="connsiteX26" fmla="*/ 7548003 w 10455568"/>
+                  <a:gd name="connsiteY26" fmla="*/ 367710 h 715479"/>
+                  <a:gd name="connsiteX27" fmla="*/ 7430093 w 10455568"/>
+                  <a:gd name="connsiteY27" fmla="*/ 351855 h 715479"/>
+                  <a:gd name="connsiteX28" fmla="*/ 7396245 w 10455568"/>
+                  <a:gd name="connsiteY28" fmla="*/ 355328 h 715479"/>
+                  <a:gd name="connsiteX29" fmla="*/ 7358394 w 10455568"/>
+                  <a:gd name="connsiteY29" fmla="*/ 359950 h 715479"/>
+                  <a:gd name="connsiteX30" fmla="*/ 7241933 w 10455568"/>
+                  <a:gd name="connsiteY30" fmla="*/ 369637 h 715479"/>
+                  <a:gd name="connsiteX31" fmla="*/ 7171767 w 10455568"/>
+                  <a:gd name="connsiteY31" fmla="*/ 383160 h 715479"/>
+                  <a:gd name="connsiteX32" fmla="*/ 7036569 w 10455568"/>
+                  <a:gd name="connsiteY32" fmla="*/ 387132 h 715479"/>
+                  <a:gd name="connsiteX33" fmla="*/ 6987200 w 10455568"/>
+                  <a:gd name="connsiteY33" fmla="*/ 398073 h 715479"/>
+                  <a:gd name="connsiteX34" fmla="*/ 6861115 w 10455568"/>
+                  <a:gd name="connsiteY34" fmla="*/ 407542 h 715479"/>
+                  <a:gd name="connsiteX35" fmla="*/ 6747718 w 10455568"/>
+                  <a:gd name="connsiteY35" fmla="*/ 410900 h 715479"/>
+                  <a:gd name="connsiteX36" fmla="*/ 6638839 w 10455568"/>
+                  <a:gd name="connsiteY36" fmla="*/ 420654 h 715479"/>
+                  <a:gd name="connsiteX37" fmla="*/ 6561486 w 10455568"/>
+                  <a:gd name="connsiteY37" fmla="*/ 435540 h 715479"/>
+                  <a:gd name="connsiteX38" fmla="*/ 6477200 w 10455568"/>
+                  <a:gd name="connsiteY38" fmla="*/ 447113 h 715479"/>
+                  <a:gd name="connsiteX39" fmla="*/ 6246111 w 10455568"/>
+                  <a:gd name="connsiteY39" fmla="*/ 497537 h 715479"/>
+                  <a:gd name="connsiteX40" fmla="*/ 6202328 w 10455568"/>
+                  <a:gd name="connsiteY40" fmla="*/ 492074 h 715479"/>
+                  <a:gd name="connsiteX41" fmla="*/ 5956458 w 10455568"/>
+                  <a:gd name="connsiteY41" fmla="*/ 500965 h 715479"/>
+                  <a:gd name="connsiteX42" fmla="*/ 5903139 w 10455568"/>
+                  <a:gd name="connsiteY42" fmla="*/ 505186 h 715479"/>
+                  <a:gd name="connsiteX43" fmla="*/ 5757547 w 10455568"/>
+                  <a:gd name="connsiteY43" fmla="*/ 480730 h 715479"/>
+                  <a:gd name="connsiteX44" fmla="*/ 5540270 w 10455568"/>
+                  <a:gd name="connsiteY44" fmla="*/ 550023 h 715479"/>
+                  <a:gd name="connsiteX45" fmla="*/ 5338128 w 10455568"/>
+                  <a:gd name="connsiteY45" fmla="*/ 631974 h 715479"/>
+                  <a:gd name="connsiteX46" fmla="*/ 5312622 w 10455568"/>
+                  <a:gd name="connsiteY46" fmla="*/ 642454 h 715479"/>
+                  <a:gd name="connsiteX47" fmla="*/ 5239393 w 10455568"/>
+                  <a:gd name="connsiteY47" fmla="*/ 662307 h 715479"/>
+                  <a:gd name="connsiteX48" fmla="*/ 5147821 w 10455568"/>
+                  <a:gd name="connsiteY48" fmla="*/ 673791 h 715479"/>
+                  <a:gd name="connsiteX49" fmla="*/ 5032111 w 10455568"/>
+                  <a:gd name="connsiteY49" fmla="*/ 694497 h 715479"/>
+                  <a:gd name="connsiteX50" fmla="*/ 4937648 w 10455568"/>
+                  <a:gd name="connsiteY50" fmla="*/ 684913 h 715479"/>
+                  <a:gd name="connsiteX51" fmla="*/ 4805529 w 10455568"/>
+                  <a:gd name="connsiteY51" fmla="*/ 670032 h 715479"/>
+                  <a:gd name="connsiteX52" fmla="*/ 4681029 w 10455568"/>
+                  <a:gd name="connsiteY52" fmla="*/ 655792 h 715479"/>
+                  <a:gd name="connsiteX53" fmla="*/ 4643990 w 10455568"/>
+                  <a:gd name="connsiteY53" fmla="*/ 685120 h 715479"/>
+                  <a:gd name="connsiteX54" fmla="*/ 4585542 w 10455568"/>
+                  <a:gd name="connsiteY54" fmla="*/ 712411 h 715479"/>
+                  <a:gd name="connsiteX55" fmla="*/ 4516947 w 10455568"/>
+                  <a:gd name="connsiteY55" fmla="*/ 689117 h 715479"/>
+                  <a:gd name="connsiteX56" fmla="*/ 4356995 w 10455568"/>
+                  <a:gd name="connsiteY56" fmla="*/ 642048 h 715479"/>
+                  <a:gd name="connsiteX57" fmla="*/ 4258219 w 10455568"/>
+                  <a:gd name="connsiteY57" fmla="*/ 646156 h 715479"/>
+                  <a:gd name="connsiteX58" fmla="*/ 4042233 w 10455568"/>
+                  <a:gd name="connsiteY58" fmla="*/ 636117 h 715479"/>
+                  <a:gd name="connsiteX59" fmla="*/ 3899777 w 10455568"/>
+                  <a:gd name="connsiteY59" fmla="*/ 610576 h 715479"/>
+                  <a:gd name="connsiteX60" fmla="*/ 3796441 w 10455568"/>
+                  <a:gd name="connsiteY60" fmla="*/ 577707 h 715479"/>
+                  <a:gd name="connsiteX61" fmla="*/ 3648774 w 10455568"/>
+                  <a:gd name="connsiteY61" fmla="*/ 535623 h 715479"/>
+                  <a:gd name="connsiteX62" fmla="*/ 3502227 w 10455568"/>
+                  <a:gd name="connsiteY62" fmla="*/ 518518 h 715479"/>
+                  <a:gd name="connsiteX63" fmla="*/ 3395228 w 10455568"/>
+                  <a:gd name="connsiteY63" fmla="*/ 491723 h 715479"/>
+                  <a:gd name="connsiteX64" fmla="*/ 3265757 w 10455568"/>
+                  <a:gd name="connsiteY64" fmla="*/ 477242 h 715479"/>
+                  <a:gd name="connsiteX65" fmla="*/ 3158404 w 10455568"/>
+                  <a:gd name="connsiteY65" fmla="*/ 483689 h 715479"/>
+                  <a:gd name="connsiteX66" fmla="*/ 2990483 w 10455568"/>
+                  <a:gd name="connsiteY66" fmla="*/ 499212 h 715479"/>
+                  <a:gd name="connsiteX67" fmla="*/ 2779802 w 10455568"/>
+                  <a:gd name="connsiteY67" fmla="*/ 443069 h 715479"/>
+                  <a:gd name="connsiteX68" fmla="*/ 2695508 w 10455568"/>
+                  <a:gd name="connsiteY68" fmla="*/ 433082 h 715479"/>
+                  <a:gd name="connsiteX69" fmla="*/ 2616713 w 10455568"/>
+                  <a:gd name="connsiteY69" fmla="*/ 431172 h 715479"/>
+                  <a:gd name="connsiteX70" fmla="*/ 2447364 w 10455568"/>
+                  <a:gd name="connsiteY70" fmla="*/ 395810 h 715479"/>
+                  <a:gd name="connsiteX71" fmla="*/ 2378751 w 10455568"/>
+                  <a:gd name="connsiteY71" fmla="*/ 385044 h 715479"/>
+                  <a:gd name="connsiteX72" fmla="*/ 2284230 w 10455568"/>
+                  <a:gd name="connsiteY72" fmla="*/ 391782 h 715479"/>
+                  <a:gd name="connsiteX73" fmla="*/ 2110801 w 10455568"/>
+                  <a:gd name="connsiteY73" fmla="*/ 382042 h 715479"/>
+                  <a:gd name="connsiteX74" fmla="*/ 1934854 w 10455568"/>
+                  <a:gd name="connsiteY74" fmla="*/ 331108 h 715479"/>
+                  <a:gd name="connsiteX75" fmla="*/ 1862479 w 10455568"/>
+                  <a:gd name="connsiteY75" fmla="*/ 342158 h 715479"/>
+                  <a:gd name="connsiteX76" fmla="*/ 1836283 w 10455568"/>
+                  <a:gd name="connsiteY76" fmla="*/ 342488 h 715479"/>
+                  <a:gd name="connsiteX77" fmla="*/ 1599327 w 10455568"/>
+                  <a:gd name="connsiteY77" fmla="*/ 323970 h 715479"/>
+                  <a:gd name="connsiteX78" fmla="*/ 1575578 w 10455568"/>
+                  <a:gd name="connsiteY78" fmla="*/ 321802 h 715479"/>
+                  <a:gd name="connsiteX79" fmla="*/ 1463288 w 10455568"/>
+                  <a:gd name="connsiteY79" fmla="*/ 298576 h 715479"/>
+                  <a:gd name="connsiteX80" fmla="*/ 1184165 w 10455568"/>
+                  <a:gd name="connsiteY80" fmla="*/ 298373 h 715479"/>
+                  <a:gd name="connsiteX81" fmla="*/ 1166899 w 10455568"/>
+                  <a:gd name="connsiteY81" fmla="*/ 297220 h 715479"/>
+                  <a:gd name="connsiteX82" fmla="*/ 1074855 w 10455568"/>
+                  <a:gd name="connsiteY82" fmla="*/ 318934 h 715479"/>
+                  <a:gd name="connsiteX83" fmla="*/ 1030232 w 10455568"/>
+                  <a:gd name="connsiteY83" fmla="*/ 343829 h 715479"/>
+                  <a:gd name="connsiteX84" fmla="*/ 959854 w 10455568"/>
+                  <a:gd name="connsiteY84" fmla="*/ 371351 h 715479"/>
+                  <a:gd name="connsiteX85" fmla="*/ 887350 w 10455568"/>
+                  <a:gd name="connsiteY85" fmla="*/ 384742 h 715479"/>
+                  <a:gd name="connsiteX86" fmla="*/ 762349 w 10455568"/>
+                  <a:gd name="connsiteY86" fmla="*/ 358882 h 715479"/>
+                  <a:gd name="connsiteX87" fmla="*/ 717454 w 10455568"/>
+                  <a:gd name="connsiteY87" fmla="*/ 358448 h 715479"/>
+                  <a:gd name="connsiteX88" fmla="*/ 616859 w 10455568"/>
+                  <a:gd name="connsiteY88" fmla="*/ 348700 h 715479"/>
+                  <a:gd name="connsiteX89" fmla="*/ 529939 w 10455568"/>
+                  <a:gd name="connsiteY89" fmla="*/ 355789 h 715479"/>
+                  <a:gd name="connsiteX90" fmla="*/ 461851 w 10455568"/>
+                  <a:gd name="connsiteY90" fmla="*/ 386945 h 715479"/>
+                  <a:gd name="connsiteX91" fmla="*/ 360707 w 10455568"/>
+                  <a:gd name="connsiteY91" fmla="*/ 399082 h 715479"/>
+                  <a:gd name="connsiteX92" fmla="*/ 293863 w 10455568"/>
+                  <a:gd name="connsiteY92" fmla="*/ 384410 h 715479"/>
+                  <a:gd name="connsiteX93" fmla="*/ 280347 w 10455568"/>
+                  <a:gd name="connsiteY93" fmla="*/ 382711 h 715479"/>
+                  <a:gd name="connsiteX94" fmla="*/ 108881 w 10455568"/>
+                  <a:gd name="connsiteY94" fmla="*/ 393231 h 715479"/>
+                  <a:gd name="connsiteX95" fmla="*/ 53435 w 10455568"/>
+                  <a:gd name="connsiteY95" fmla="*/ 397222 h 715479"/>
+                  <a:gd name="connsiteX96" fmla="*/ 0 w 10455568"/>
+                  <a:gd name="connsiteY96" fmla="*/ 409348 h 715479"/>
+                </a:gdLst>
+                <a:ahLst/>
+                <a:cxnLst>
+                  <a:cxn ang="0">
+                    <a:pos x="connsiteX0" y="connsiteY0"/>
+                  </a:cxn>
+                  <a:cxn ang="0">
+                    <a:pos x="connsiteX1" y="connsiteY1"/>
+                  </a:cxn>
+                  <a:cxn ang="0">
+                    <a:pos x="connsiteX2" y="connsiteY2"/>
+                  </a:cxn>
+                  <a:cxn ang="0">
+                    <a:pos x="connsiteX3" y="connsiteY3"/>
+                  </a:cxn>
+                  <a:cxn ang="0">
+                    <a:pos x="connsiteX4" y="connsiteY4"/>
+                  </a:cxn>
+                  <a:cxn ang="0">
+                    <a:pos x="connsiteX5" y="connsiteY5"/>
+                  </a:cxn>
+                  <a:cxn ang="0">
+                    <a:pos x="connsiteX6" y="connsiteY6"/>
+                  </a:cxn>
+                  <a:cxn ang="0">
+                    <a:pos x="connsiteX7" y="connsiteY7"/>
+                  </a:cxn>
+                  <a:cxn ang="0">
+                    <a:pos x="connsiteX8" y="connsiteY8"/>
+                  </a:cxn>
+                  <a:cxn ang="0">
+                    <a:pos x="connsiteX9" y="connsiteY9"/>
+                  </a:cxn>
+                  <a:cxn ang="0">
+                    <a:pos x="connsiteX10" y="connsiteY10"/>
+                  </a:cxn>
+                  <a:cxn ang="0">
+                    <a:pos x="connsiteX11" y="connsiteY11"/>
+                  </a:cxn>
+                  <a:cxn ang="0">
+                    <a:pos x="connsiteX12" y="connsiteY12"/>
+                  </a:cxn>
+                  <a:cxn ang="0">
+                    <a:pos x="connsiteX13" y="connsiteY13"/>
+                  </a:cxn>
+                  <a:cxn ang="0">
+                    <a:pos x="connsiteX14" y="connsiteY14"/>
+                  </a:cxn>
+                  <a:cxn ang="0">
+                    <a:pos x="connsiteX15" y="connsiteY15"/>
+                  </a:cxn>
+                  <a:cxn ang="0">
+                    <a:pos x="connsiteX16" y="connsiteY16"/>
+                  </a:cxn>
+                  <a:cxn ang="0">
+                    <a:pos x="connsiteX17" y="connsiteY17"/>
+                  </a:cxn>
+                  <a:cxn ang="0">
+                    <a:pos x="connsiteX18" y="connsiteY18"/>
+                  </a:cxn>
+                  <a:cxn ang="0">
+                    <a:pos x="connsiteX19" y="connsiteY19"/>
+                  </a:cxn>
+                  <a:cxn ang="0">
+                    <a:pos x="connsiteX20" y="connsiteY20"/>
+                  </a:cxn>
+                  <a:cxn ang="0">
+                    <a:pos x="connsiteX21" y="connsiteY21"/>
+                  </a:cxn>
+                  <a:cxn ang="0">
+                    <a:pos x="connsiteX22" y="connsiteY22"/>
+                  </a:cxn>
+                  <a:cxn ang="0">
+                    <a:pos x="connsiteX23" y="connsiteY23"/>
+                  </a:cxn>
+                  <a:cxn ang="0">
+                    <a:pos x="connsiteX24" y="connsiteY24"/>
+                  </a:cxn>
+                  <a:cxn ang="0">
+                    <a:pos x="connsiteX25" y="connsiteY25"/>
+                  </a:cxn>
+                  <a:cxn ang="0">
+                    <a:pos x="connsiteX26" y="connsiteY26"/>
+                  </a:cxn>
+                  <a:cxn ang="0">
+                    <a:pos x="connsiteX27" y="connsiteY27"/>
+                  </a:cxn>
+                  <a:cxn ang="0">
+                    <a:pos x="connsiteX28" y="connsiteY28"/>
+                  </a:cxn>
+                  <a:cxn ang="0">
+                    <a:pos x="connsiteX29" y="connsiteY29"/>
+                  </a:cxn>
+                  <a:cxn ang="0">
+                    <a:pos x="connsiteX30" y="connsiteY30"/>
+                  </a:cxn>
+                  <a:cxn ang="0">
+                    <a:pos x="connsiteX31" y="connsiteY31"/>
+                  </a:cxn>
+                  <a:cxn ang="0">
+                    <a:pos x="connsiteX32" y="connsiteY32"/>
+                  </a:cxn>
+                  <a:cxn ang="0">
+                    <a:pos x="connsiteX33" y="connsiteY33"/>
+                  </a:cxn>
+                  <a:cxn ang="0">
+                    <a:pos x="connsiteX34" y="connsiteY34"/>
+                  </a:cxn>
+                  <a:cxn ang="0">
+                    <a:pos x="connsiteX35" y="connsiteY35"/>
+                  </a:cxn>
+                  <a:cxn ang="0">
+                    <a:pos x="connsiteX36" y="connsiteY36"/>
+                  </a:cxn>
+                  <a:cxn ang="0">
+                    <a:pos x="connsiteX37" y="connsiteY37"/>
+                  </a:cxn>
+                  <a:cxn ang="0">
+                    <a:pos x="connsiteX38" y="connsiteY38"/>
+                  </a:cxn>
+                  <a:cxn ang="0">
+                    <a:pos x="connsiteX39" y="connsiteY39"/>
+                  </a:cxn>
+                  <a:cxn ang="0">
+                    <a:pos x="connsiteX40" y="connsiteY40"/>
+                  </a:cxn>
+                  <a:cxn ang="0">
+                    <a:pos x="connsiteX41" y="connsiteY41"/>
+                  </a:cxn>
+                  <a:cxn ang="0">
+                    <a:pos x="connsiteX42" y="connsiteY42"/>
+                  </a:cxn>
+                  <a:cxn ang="0">
+                    <a:pos x="connsiteX43" y="connsiteY43"/>
+                  </a:cxn>
+                  <a:cxn ang="0">
+                    <a:pos x="connsiteX44" y="connsiteY44"/>
+                  </a:cxn>
+                  <a:cxn ang="0">
+                    <a:pos x="connsiteX45" y="connsiteY45"/>
+                  </a:cxn>
+                  <a:cxn ang="0">
+                    <a:pos x="connsiteX46" y="connsiteY46"/>
+                  </a:cxn>
+                  <a:cxn ang="0">
+                    <a:pos x="connsiteX47" y="connsiteY47"/>
+                  </a:cxn>
+                  <a:cxn ang="0">
+                    <a:pos x="connsiteX48" y="connsiteY48"/>
+                  </a:cxn>
+                  <a:cxn ang="0">
+                    <a:pos x="connsiteX49" y="connsiteY49"/>
+                  </a:cxn>
+                  <a:cxn ang="0">
+                    <a:pos x="connsiteX50" y="connsiteY50"/>
+                  </a:cxn>
+                  <a:cxn ang="0">
+                    <a:pos x="connsiteX51" y="connsiteY51"/>
+                  </a:cxn>
+                  <a:cxn ang="0">
+                    <a:pos x="connsiteX52" y="connsiteY52"/>
+                  </a:cxn>
+                  <a:cxn ang="0">
+                    <a:pos x="connsiteX53" y="connsiteY53"/>
+                  </a:cxn>
+                  <a:cxn ang="0">
+                    <a:pos x="connsiteX54" y="connsiteY54"/>
+                  </a:cxn>
+                  <a:cxn ang="0">
+                    <a:pos x="connsiteX55" y="connsiteY55"/>
+                  </a:cxn>
+                  <a:cxn ang="0">
+                    <a:pos x="connsiteX56" y="connsiteY56"/>
+                  </a:cxn>
+                  <a:cxn ang="0">
+                    <a:pos x="connsiteX57" y="connsiteY57"/>
+                  </a:cxn>
+                  <a:cxn ang="0">
+                    <a:pos x="connsiteX58" y="connsiteY58"/>
+                  </a:cxn>
+                  <a:cxn ang="0">
+                    <a:pos x="connsiteX59" y="connsiteY59"/>
+                  </a:cxn>
+                  <a:cxn ang="0">
+                    <a:pos x="connsiteX60" y="connsiteY60"/>
+                  </a:cxn>
+                  <a:cxn ang="0">
+                    <a:pos x="connsiteX61" y="connsiteY61"/>
+                  </a:cxn>
+                  <a:cxn ang="0">
+                    <a:pos x="connsiteX62" y="connsiteY62"/>
+                  </a:cxn>
+                  <a:cxn ang="0">
+                    <a:pos x="connsiteX63" y="connsiteY63"/>
+                  </a:cxn>
+                  <a:cxn ang="0">
+                    <a:pos x="connsiteX64" y="connsiteY64"/>
+                  </a:cxn>
+                  <a:cxn ang="0">
+                    <a:pos x="connsiteX65" y="connsiteY65"/>
+                  </a:cxn>
+                  <a:cxn ang="0">
+                    <a:pos x="connsiteX66" y="connsiteY66"/>
+                  </a:cxn>
+                  <a:cxn ang="0">
+                    <a:pos x="connsiteX67" y="connsiteY67"/>
+                  </a:cxn>
+                  <a:cxn ang="0">
+                    <a:pos x="connsiteX68" y="connsiteY68"/>
+                  </a:cxn>
+                  <a:cxn ang="0">
+                    <a:pos x="connsiteX69" y="connsiteY69"/>
+                  </a:cxn>
+                  <a:cxn ang="0">
+                    <a:pos x="connsiteX70" y="connsiteY70"/>
+                  </a:cxn>
+                  <a:cxn ang="0">
+                    <a:pos x="connsiteX71" y="connsiteY71"/>
+                  </a:cxn>
+                  <a:cxn ang="0">
+                    <a:pos x="connsiteX72" y="connsiteY72"/>
+                  </a:cxn>
+                  <a:cxn ang="0">
+                    <a:pos x="connsiteX73" y="connsiteY73"/>
+                  </a:cxn>
+                  <a:cxn ang="0">
+                    <a:pos x="connsiteX74" y="connsiteY74"/>
+                  </a:cxn>
+                  <a:cxn ang="0">
+                    <a:pos x="connsiteX75" y="connsiteY75"/>
+                  </a:cxn>
+                  <a:cxn ang="0">
+                    <a:pos x="connsiteX76" y="connsiteY76"/>
+                  </a:cxn>
+                  <a:cxn ang="0">
+                    <a:pos x="connsiteX77" y="connsiteY77"/>
+                  </a:cxn>
+                  <a:cxn ang="0">
+                    <a:pos x="connsiteX78" y="connsiteY78"/>
+                  </a:cxn>
+                  <a:cxn ang="0">
+                    <a:pos x="connsiteX79" y="connsiteY79"/>
+                  </a:cxn>
+                  <a:cxn ang="0">
+                    <a:pos x="connsiteX80" y="connsiteY80"/>
+                  </a:cxn>
+                  <a:cxn ang="0">
+                    <a:pos x="connsiteX81" y="connsiteY81"/>
+                  </a:cxn>
+                  <a:cxn ang="0">
+                    <a:pos x="connsiteX82" y="connsiteY82"/>
+                  </a:cxn>
+                  <a:cxn ang="0">
+                    <a:pos x="connsiteX83" y="connsiteY83"/>
+                  </a:cxn>
+                  <a:cxn ang="0">
+                    <a:pos x="connsiteX84" y="connsiteY84"/>
+                  </a:cxn>
+                  <a:cxn ang="0">
+                    <a:pos x="connsiteX85" y="connsiteY85"/>
+                  </a:cxn>
+                  <a:cxn ang="0">
+                    <a:pos x="connsiteX86" y="connsiteY86"/>
+                  </a:cxn>
+                  <a:cxn ang="0">
+                    <a:pos x="connsiteX87" y="connsiteY87"/>
+                  </a:cxn>
+                  <a:cxn ang="0">
+                    <a:pos x="connsiteX88" y="connsiteY88"/>
+                  </a:cxn>
+                  <a:cxn ang="0">
+                    <a:pos x="connsiteX89" y="connsiteY89"/>
+                  </a:cxn>
+                  <a:cxn ang="0">
+                    <a:pos x="connsiteX90" y="connsiteY90"/>
+                  </a:cxn>
+                  <a:cxn ang="0">
+                    <a:pos x="connsiteX91" y="connsiteY91"/>
+                  </a:cxn>
+                  <a:cxn ang="0">
+                    <a:pos x="connsiteX92" y="connsiteY92"/>
+                  </a:cxn>
+                  <a:cxn ang="0">
+                    <a:pos x="connsiteX93" y="connsiteY93"/>
+                  </a:cxn>
+                  <a:cxn ang="0">
+                    <a:pos x="connsiteX94" y="connsiteY94"/>
+                  </a:cxn>
+                  <a:cxn ang="0">
+                    <a:pos x="connsiteX95" y="connsiteY95"/>
+                  </a:cxn>
+                  <a:cxn ang="0">
+                    <a:pos x="connsiteX96" y="connsiteY96"/>
+                  </a:cxn>
+                </a:cxnLst>
+                <a:rect l="l" t="t" r="r" b="b"/>
+                <a:pathLst>
+                  <a:path w="10455568" h="715479">
+                    <a:moveTo>
+                      <a:pt x="0" y="0"/>
+                    </a:moveTo>
+                    <a:lnTo>
+                      <a:pt x="10455568" y="0"/>
+                    </a:lnTo>
+                    <a:lnTo>
+                      <a:pt x="10434629" y="8947"/>
+                    </a:lnTo>
+                    <a:cubicBezTo>
+                      <a:pt x="10373917" y="32898"/>
+                      <a:pt x="10311087" y="51455"/>
+                      <a:pt x="10249341" y="73146"/>
+                    </a:cubicBezTo>
+                    <a:cubicBezTo>
+                      <a:pt x="10223176" y="82504"/>
+                      <a:pt x="10198388" y="94974"/>
+                      <a:pt x="10172148" y="103170"/>
+                    </a:cubicBezTo>
+                    <a:cubicBezTo>
+                      <a:pt x="10113395" y="121743"/>
+                      <a:pt x="10053617" y="138053"/>
+                      <a:pt x="9994576" y="156647"/>
+                    </a:cubicBezTo>
+                    <a:cubicBezTo>
+                      <a:pt x="9960929" y="167389"/>
+                      <a:pt x="9928899" y="184724"/>
+                      <a:pt x="9894474" y="192604"/>
+                    </a:cubicBezTo>
+                    <a:cubicBezTo>
+                      <a:pt x="9812718" y="211289"/>
+                      <a:pt x="9730121" y="226242"/>
+                      <a:pt x="9647603" y="242354"/>
+                    </a:cubicBezTo>
+                    <a:cubicBezTo>
+                      <a:pt x="9562500" y="258935"/>
+                      <a:pt x="9477721" y="276078"/>
+                      <a:pt x="9392533" y="291498"/>
+                    </a:cubicBezTo>
+                    <a:cubicBezTo>
+                      <a:pt x="9345891" y="299632"/>
+                      <a:pt x="9298681" y="303723"/>
+                      <a:pt x="9252019" y="311564"/>
+                    </a:cubicBezTo>
+                    <a:cubicBezTo>
+                      <a:pt x="9211115" y="318433"/>
+                      <a:pt x="9170740" y="328758"/>
+                      <a:pt x="9129899" y="336497"/>
+                    </a:cubicBezTo>
+                    <a:cubicBezTo>
+                      <a:pt x="9094507" y="342987"/>
+                      <a:pt x="9058706" y="347759"/>
+                      <a:pt x="9023312" y="354253"/>
+                    </a:cubicBezTo>
+                    <a:cubicBezTo>
+                      <a:pt x="8966639" y="364814"/>
+                      <a:pt x="8910315" y="376230"/>
+                      <a:pt x="8853949" y="387064"/>
+                    </a:cubicBezTo>
+                    <a:cubicBezTo>
+                      <a:pt x="8830350" y="391295"/>
+                      <a:pt x="8805902" y="400245"/>
+                      <a:pt x="8783278" y="397418"/>
+                    </a:cubicBezTo>
+                    <a:cubicBezTo>
+                      <a:pt x="8726267" y="390232"/>
+                      <a:pt x="8671093" y="397198"/>
+                      <a:pt x="8615640" y="408552"/>
+                    </a:cubicBezTo>
+                    <a:cubicBezTo>
+                      <a:pt x="8596680" y="412471"/>
+                      <a:pt x="8576049" y="413291"/>
+                      <a:pt x="8557154" y="409627"/>
+                    </a:cubicBezTo>
+                    <a:cubicBezTo>
+                      <a:pt x="8518491" y="402356"/>
+                      <a:pt x="8480716" y="390947"/>
+                      <a:pt x="8442474" y="381318"/>
+                    </a:cubicBezTo>
+                    <a:cubicBezTo>
+                      <a:pt x="8438313" y="380145"/>
+                      <a:pt x="8433365" y="380189"/>
+                      <a:pt x="8428959" y="379618"/>
+                    </a:cubicBezTo>
+                    <a:cubicBezTo>
+                      <a:pt x="8403970" y="376366"/>
+                      <a:pt x="8379279" y="373098"/>
+                      <a:pt x="8354329" y="370428"/>
+                    </a:cubicBezTo>
+                    <a:cubicBezTo>
+                      <a:pt x="8340833" y="369017"/>
+                      <a:pt x="8327184" y="369657"/>
+                      <a:pt x="8313705" y="368535"/>
+                    </a:cubicBezTo>
+                    <a:cubicBezTo>
+                      <a:pt x="8261532" y="363935"/>
+                      <a:pt x="8205623" y="381441"/>
+                      <a:pt x="8158571" y="349396"/>
+                    </a:cubicBezTo>
+                    <a:cubicBezTo>
+                      <a:pt x="8128030" y="328752"/>
+                      <a:pt x="8100257" y="335890"/>
+                      <a:pt x="8069467" y="341485"/>
+                    </a:cubicBezTo>
+                    <a:cubicBezTo>
+                      <a:pt x="8046153" y="345696"/>
+                      <a:pt x="8022024" y="346466"/>
+                      <a:pt x="7998265" y="348379"/>
+                    </a:cubicBezTo>
+                    <a:cubicBezTo>
+                      <a:pt x="7956565" y="352093"/>
+                      <a:pt x="7914826" y="355232"/>
+                      <a:pt x="7873167" y="359529"/>
+                    </a:cubicBezTo>
+                    <a:cubicBezTo>
+                      <a:pt x="7859864" y="361016"/>
+                      <a:pt x="7846730" y="369197"/>
+                      <a:pt x="7833600" y="368926"/>
+                    </a:cubicBezTo>
+                    <a:cubicBezTo>
+                      <a:pt x="7772906" y="367528"/>
+                      <a:pt x="7711993" y="362939"/>
+                      <a:pt x="7651338" y="362121"/>
+                    </a:cubicBezTo>
+                    <a:cubicBezTo>
+                      <a:pt x="7616924" y="361556"/>
+                      <a:pt x="7582209" y="369456"/>
+                      <a:pt x="7548003" y="367710"/>
+                    </a:cubicBezTo>
+                    <a:cubicBezTo>
+                      <a:pt x="7508539" y="365739"/>
+                      <a:pt x="7469448" y="356458"/>
+                      <a:pt x="7430093" y="351855"/>
+                    </a:cubicBezTo>
+                    <a:cubicBezTo>
+                      <a:pt x="7419227" y="350559"/>
+                      <a:pt x="7407516" y="353979"/>
+                      <a:pt x="7396245" y="355328"/>
+                    </a:cubicBezTo>
+                    <a:cubicBezTo>
+                      <a:pt x="7383524" y="356781"/>
+                      <a:pt x="7371134" y="358791"/>
+                      <a:pt x="7358394" y="359950"/>
+                    </a:cubicBezTo>
+                    <a:cubicBezTo>
+                      <a:pt x="7319573" y="363179"/>
+                      <a:pt x="7280655" y="364958"/>
+                      <a:pt x="7241933" y="369637"/>
+                    </a:cubicBezTo>
+                    <a:cubicBezTo>
+                      <a:pt x="7218235" y="372418"/>
+                      <a:pt x="7194108" y="386008"/>
+                      <a:pt x="7171767" y="383160"/>
+                    </a:cubicBezTo>
+                    <a:cubicBezTo>
+                      <a:pt x="7126248" y="377813"/>
+                      <a:pt x="7082583" y="399728"/>
+                      <a:pt x="7036569" y="387132"/>
+                    </a:cubicBezTo>
+                    <a:cubicBezTo>
+                      <a:pt x="7022328" y="383442"/>
+                      <a:pt x="7003983" y="396347"/>
+                      <a:pt x="6987200" y="398073"/>
+                    </a:cubicBezTo>
+                    <a:cubicBezTo>
+                      <a:pt x="6945251" y="402388"/>
+                      <a:pt x="6903183" y="404965"/>
+                      <a:pt x="6861115" y="407542"/>
+                    </a:cubicBezTo>
+                    <a:cubicBezTo>
+                      <a:pt x="6823394" y="409822"/>
+                      <a:pt x="6784520" y="416550"/>
+                      <a:pt x="6747718" y="410900"/>
+                    </a:cubicBezTo>
+                    <a:cubicBezTo>
+                      <a:pt x="6709137" y="404791"/>
+                      <a:pt x="6674999" y="408284"/>
+                      <a:pt x="6638839" y="420654"/>
+                    </a:cubicBezTo>
+                    <a:cubicBezTo>
+                      <a:pt x="6614066" y="429044"/>
+                      <a:pt x="6587444" y="431733"/>
+                      <a:pt x="6561486" y="435540"/>
+                    </a:cubicBezTo>
+                    <a:cubicBezTo>
+                      <a:pt x="6533513" y="439778"/>
+                      <a:pt x="6502069" y="435804"/>
+                      <a:pt x="6477200" y="447113"/>
+                    </a:cubicBezTo>
+                    <a:cubicBezTo>
+                      <a:pt x="6403159" y="480713"/>
+                      <a:pt x="6325566" y="492119"/>
+                      <a:pt x="6246111" y="497537"/>
+                    </a:cubicBezTo>
+                    <a:cubicBezTo>
+                      <a:pt x="6231608" y="498524"/>
+                      <a:pt x="6216540" y="495475"/>
+                      <a:pt x="6202328" y="492074"/>
+                    </a:cubicBezTo>
+                    <a:cubicBezTo>
+                      <a:pt x="6119346" y="471508"/>
+                      <a:pt x="6038018" y="479381"/>
+                      <a:pt x="5956458" y="500965"/>
+                    </a:cubicBezTo>
+                    <a:cubicBezTo>
+                      <a:pt x="5939584" y="505613"/>
+                      <a:pt x="5920486" y="507499"/>
+                      <a:pt x="5903139" y="505186"/>
+                    </a:cubicBezTo>
+                    <a:cubicBezTo>
+                      <a:pt x="5854306" y="498315"/>
+                      <a:pt x="5806470" y="484677"/>
+                      <a:pt x="5757547" y="480730"/>
+                    </a:cubicBezTo>
+                    <a:cubicBezTo>
+                      <a:pt x="5676701" y="474297"/>
+                      <a:pt x="5610121" y="519038"/>
+                      <a:pt x="5540270" y="550023"/>
+                    </a:cubicBezTo>
+                    <a:cubicBezTo>
+                      <a:pt x="5473801" y="579316"/>
+                      <a:pt x="5419599" y="638949"/>
+                      <a:pt x="5338128" y="631974"/>
+                    </a:cubicBezTo>
+                    <a:cubicBezTo>
+                      <a:pt x="5329931" y="631367"/>
+                      <a:pt x="5321476" y="639812"/>
+                      <a:pt x="5312622" y="642454"/>
+                    </a:cubicBezTo>
+                    <a:cubicBezTo>
+                      <a:pt x="5288350" y="649647"/>
+                      <a:pt x="5264155" y="657994"/>
+                      <a:pt x="5239393" y="662307"/>
+                    </a:cubicBezTo>
+                    <a:cubicBezTo>
+                      <a:pt x="5209181" y="667862"/>
+                      <a:pt x="5178072" y="668817"/>
+                      <a:pt x="5147821" y="673791"/>
+                    </a:cubicBezTo>
+                    <a:cubicBezTo>
+                      <a:pt x="5108908" y="679940"/>
+                      <a:pt x="5070972" y="691848"/>
+                      <a:pt x="5032111" y="694497"/>
+                    </a:cubicBezTo>
+                    <a:cubicBezTo>
+                      <a:pt x="5000793" y="696632"/>
+                      <a:pt x="4969032" y="688019"/>
+                      <a:pt x="4937648" y="684913"/>
+                    </a:cubicBezTo>
+                    <a:cubicBezTo>
+                      <a:pt x="4893363" y="680649"/>
+                      <a:pt x="4845361" y="685962"/>
+                      <a:pt x="4805529" y="670032"/>
+                    </a:cubicBezTo>
+                    <a:cubicBezTo>
+                      <a:pt x="4763006" y="653119"/>
+                      <a:pt x="4723244" y="646796"/>
+                      <a:pt x="4681029" y="655792"/>
+                    </a:cubicBezTo>
+                    <a:cubicBezTo>
+                      <a:pt x="4666957" y="658791"/>
+                      <a:pt x="4649519" y="672217"/>
+                      <a:pt x="4643990" y="685120"/>
+                    </a:cubicBezTo>
+                    <a:cubicBezTo>
+                      <a:pt x="4631676" y="713928"/>
+                      <a:pt x="4612585" y="720184"/>
+                      <a:pt x="4585542" y="712411"/>
+                    </a:cubicBezTo>
+                    <a:cubicBezTo>
+                      <a:pt x="4562077" y="705853"/>
+                      <a:pt x="4533672" y="703713"/>
+                      <a:pt x="4516947" y="689117"/>
+                    </a:cubicBezTo>
+                    <a:cubicBezTo>
+                      <a:pt x="4469552" y="647774"/>
+                      <a:pt x="4412904" y="650180"/>
+                      <a:pt x="4356995" y="642048"/>
+                    </a:cubicBezTo>
+                    <a:cubicBezTo>
+                      <a:pt x="4322867" y="637088"/>
+                      <a:pt x="4291523" y="638934"/>
+                      <a:pt x="4258219" y="646156"/>
+                    </a:cubicBezTo>
+                    <a:cubicBezTo>
+                      <a:pt x="4185895" y="662159"/>
+                      <a:pt x="4113776" y="651342"/>
+                      <a:pt x="4042233" y="636117"/>
+                    </a:cubicBezTo>
+                    <a:cubicBezTo>
+                      <a:pt x="3994923" y="625941"/>
+                      <a:pt x="3946812" y="621063"/>
+                      <a:pt x="3899777" y="610576"/>
+                    </a:cubicBezTo>
+                    <a:cubicBezTo>
+                      <a:pt x="3864554" y="602488"/>
+                      <a:pt x="3829196" y="592371"/>
+                      <a:pt x="3796441" y="577707"/>
+                    </a:cubicBezTo>
+                    <a:cubicBezTo>
+                      <a:pt x="3748937" y="556178"/>
+                      <a:pt x="3706395" y="521788"/>
+                      <a:pt x="3648774" y="535623"/>
+                    </a:cubicBezTo>
+                    <a:cubicBezTo>
+                      <a:pt x="3598036" y="547820"/>
+                      <a:pt x="3550396" y="532716"/>
+                      <a:pt x="3502227" y="518518"/>
+                    </a:cubicBezTo>
+                    <a:cubicBezTo>
+                      <a:pt x="3466848" y="508111"/>
+                      <a:pt x="3431455" y="497410"/>
+                      <a:pt x="3395228" y="491723"/>
+                    </a:cubicBezTo>
+                    <a:cubicBezTo>
+                      <a:pt x="3352235" y="485040"/>
+                      <a:pt x="3304663" y="492363"/>
+                      <a:pt x="3265757" y="477242"/>
+                    </a:cubicBezTo>
+                    <a:cubicBezTo>
+                      <a:pt x="3225052" y="461369"/>
+                      <a:pt x="3193136" y="476075"/>
+                      <a:pt x="3158404" y="483689"/>
+                    </a:cubicBezTo>
+                    <a:cubicBezTo>
+                      <a:pt x="3102986" y="495623"/>
+                      <a:pt x="3048333" y="514498"/>
+                      <a:pt x="2990483" y="499212"/>
+                    </a:cubicBezTo>
+                    <a:cubicBezTo>
+                      <a:pt x="2920173" y="480697"/>
+                      <a:pt x="2850324" y="460405"/>
+                      <a:pt x="2779802" y="443069"/>
+                    </a:cubicBezTo>
+                    <a:cubicBezTo>
+                      <a:pt x="2752548" y="436477"/>
+                      <a:pt x="2723606" y="434954"/>
+                      <a:pt x="2695508" y="433082"/>
+                    </a:cubicBezTo>
+                    <a:cubicBezTo>
+                      <a:pt x="2668903" y="431690"/>
+                      <a:pt x="2637847" y="441965"/>
+                      <a:pt x="2616713" y="431172"/>
+                    </a:cubicBezTo>
+                    <a:cubicBezTo>
+                      <a:pt x="2562378" y="403411"/>
+                      <a:pt x="2507687" y="391698"/>
+                      <a:pt x="2447364" y="395810"/>
+                    </a:cubicBezTo>
+                    <a:cubicBezTo>
+                      <a:pt x="2424744" y="397352"/>
+                      <a:pt x="2401814" y="385802"/>
+                      <a:pt x="2378751" y="385044"/>
+                    </a:cubicBezTo>
+                    <a:cubicBezTo>
+                      <a:pt x="2347229" y="384281"/>
+                      <a:pt x="2310735" y="378901"/>
+                      <a:pt x="2284230" y="391782"/>
+                    </a:cubicBezTo>
+                    <a:cubicBezTo>
+                      <a:pt x="2221919" y="422248"/>
+                      <a:pt x="2168532" y="404037"/>
+                      <a:pt x="2110801" y="382042"/>
+                    </a:cubicBezTo>
+                    <a:cubicBezTo>
+                      <a:pt x="2053961" y="360279"/>
+                      <a:pt x="1994577" y="343935"/>
+                      <a:pt x="1934854" y="331108"/>
+                    </a:cubicBezTo>
+                    <a:cubicBezTo>
+                      <a:pt x="1912400" y="326519"/>
+                      <a:pt x="1886705" y="338470"/>
+                      <a:pt x="1862479" y="342158"/>
+                    </a:cubicBezTo>
+                    <a:cubicBezTo>
+                      <a:pt x="1853818" y="343333"/>
+                      <a:pt x="1844309" y="344855"/>
+                      <a:pt x="1836283" y="342488"/>
+                    </a:cubicBezTo>
+                    <a:cubicBezTo>
+                      <a:pt x="1758698" y="319808"/>
+                      <a:pt x="1680403" y="303878"/>
+                      <a:pt x="1599327" y="323970"/>
+                    </a:cubicBezTo>
+                    <a:cubicBezTo>
+                      <a:pt x="1591888" y="325937"/>
+                      <a:pt x="1583257" y="323319"/>
+                      <a:pt x="1575578" y="321802"/>
+                    </a:cubicBezTo>
+                    <a:cubicBezTo>
+                      <a:pt x="1538035" y="313873"/>
+                      <a:pt x="1500950" y="299795"/>
+                      <a:pt x="1463288" y="298576"/>
+                    </a:cubicBezTo>
+                    <a:cubicBezTo>
+                      <a:pt x="1370438" y="295582"/>
+                      <a:pt x="1277384" y="298137"/>
+                      <a:pt x="1184165" y="298373"/>
+                    </a:cubicBezTo>
+                    <a:cubicBezTo>
+                      <a:pt x="1178344" y="298480"/>
+                      <a:pt x="1172255" y="298896"/>
+                      <a:pt x="1166899" y="297220"/>
+                    </a:cubicBezTo>
+                    <a:cubicBezTo>
+                      <a:pt x="1131827" y="287082"/>
+                      <a:pt x="1102238" y="293180"/>
+                      <a:pt x="1074855" y="318934"/>
+                    </a:cubicBezTo>
+                    <a:cubicBezTo>
+                      <a:pt x="1062808" y="330244"/>
+                      <a:pt x="1045783" y="336940"/>
+                      <a:pt x="1030232" y="343829"/>
+                    </a:cubicBezTo>
+                    <a:cubicBezTo>
+                      <a:pt x="1007334" y="354132"/>
+                      <a:pt x="983839" y="364180"/>
+                      <a:pt x="959854" y="371351"/>
+                    </a:cubicBezTo>
+                    <a:cubicBezTo>
+                      <a:pt x="936141" y="378210"/>
+                      <a:pt x="910825" y="387219"/>
+                      <a:pt x="887350" y="384742"/>
+                    </a:cubicBezTo>
+                    <a:cubicBezTo>
+                      <a:pt x="845096" y="380339"/>
+                      <a:pt x="804258" y="366810"/>
+                      <a:pt x="762349" y="358882"/>
+                    </a:cubicBezTo>
+                    <a:cubicBezTo>
+                      <a:pt x="747884" y="356082"/>
+                      <a:pt x="732263" y="357732"/>
+                      <a:pt x="717454" y="358448"/>
+                    </a:cubicBezTo>
+                    <a:cubicBezTo>
+                      <a:pt x="683463" y="359893"/>
+                      <a:pt x="649238" y="370675"/>
+                      <a:pt x="616859" y="348700"/>
+                    </a:cubicBezTo>
+                    <a:cubicBezTo>
+                      <a:pt x="586900" y="328019"/>
+                      <a:pt x="558641" y="336644"/>
+                      <a:pt x="529939" y="355789"/>
+                    </a:cubicBezTo>
+                    <a:cubicBezTo>
+                      <a:pt x="509309" y="369433"/>
+                      <a:pt x="485605" y="380664"/>
+                      <a:pt x="461851" y="386945"/>
+                    </a:cubicBezTo>
+                    <a:cubicBezTo>
+                      <a:pt x="429225" y="395576"/>
+                      <a:pt x="396634" y="400422"/>
+                      <a:pt x="360707" y="399082"/>
+                    </a:cubicBezTo>
+                    <a:cubicBezTo>
+                      <a:pt x="335299" y="398193"/>
+                      <a:pt x="314629" y="398437"/>
+                      <a:pt x="293863" y="384410"/>
+                    </a:cubicBezTo>
+                    <a:cubicBezTo>
+                      <a:pt x="290517" y="382308"/>
+                      <a:pt x="284678" y="382122"/>
+                      <a:pt x="280347" y="382711"/>
+                    </a:cubicBezTo>
+                    <a:cubicBezTo>
+                      <a:pt x="223554" y="391535"/>
+                      <a:pt x="166827" y="392780"/>
+                      <a:pt x="108881" y="393231"/>
+                    </a:cubicBezTo>
+                    <a:cubicBezTo>
+                      <a:pt x="90460" y="393322"/>
+                      <a:pt x="71882" y="394571"/>
+                      <a:pt x="53435" y="397222"/>
+                    </a:cubicBezTo>
+                    <a:lnTo>
+                      <a:pt x="0" y="409348"/>
+                    </a:lnTo>
+                    <a:close/>
+                  </a:path>
+                </a:pathLst>
+              </a:custGeom>
+              <a:solidFill>
+                <a:schemeClr val="lt1"/>
+              </a:solidFill>
+              <a:ln w="12700" cap="flat" cmpd="sng" algn="ctr">
+                <a:noFill/>
+                <a:prstDash val="solid"/>
+                <a:miter lim="800000"/>
+              </a:ln>
+              <a:effectLst/>
+            </p:spPr>
+            <p:style>
+              <a:lnRef idx="2">
+                <a:schemeClr val="accent1">
+                  <a:shade val="50000"/>
+                </a:schemeClr>
+              </a:lnRef>
+              <a:fillRef idx="1">
+                <a:schemeClr val="accent1"/>
+              </a:fillRef>
+              <a:effectRef idx="0">
+                <a:schemeClr val="accent1"/>
+              </a:effectRef>
+              <a:fontRef idx="minor">
+                <a:schemeClr val="lt1"/>
+              </a:fontRef>
+            </p:style>
+            <p:txBody>
+              <a:bodyPr rtlCol="0" anchor="ctr"/>
+              <a:lstStyle/>
+              <a:p>
+                <a:pPr algn="ctr"/>
+                <a:endParaRPr lang="en-US"/>
+              </a:p>
+            </p:txBody>
+          </p:sp>
+          <p:sp>
+            <p:nvSpPr>
+              <p:cNvPr id="14" name="Freeform: Shape 13">
+                <a:extLst>
+                  <a:ext uri="{FF2B5EF4-FFF2-40B4-BE49-F238E27FC236}">
+                    <a16:creationId xmlns:a16="http://schemas.microsoft.com/office/drawing/2014/main" id="{92DE565D-2C95-C45B-D2B7-97A7AD407C08}"/>
+                  </a:ext>
+                  <a:ext uri="{C183D7F6-B498-43B3-948B-1728B52AA6E4}">
+                    <adec:decorative xmlns:adec="http://schemas.microsoft.com/office/drawing/2017/decorative" val="1"/>
+                  </a:ext>
+                </a:extLst>
+              </p:cNvPr>
+              <p:cNvSpPr/>
+              <p:nvPr>
+                <p:extLst>
+                  <p:ext uri="{386F3935-93C4-4BCD-93E2-E3B085C9AB24}">
+                    <p16:designElem xmlns:p16="http://schemas.microsoft.com/office/powerpoint/2015/main" val="1"/>
+                  </p:ext>
+                </p:extLst>
+              </p:nvPr>
+            </p:nvSpPr>
+            <p:spPr>
+              <a:xfrm>
+                <a:off x="0" y="0"/>
+                <a:ext cx="10455568" cy="715479"/>
+              </a:xfrm>
+              <a:custGeom>
+                <a:avLst/>
+                <a:gdLst>
+                  <a:gd name="connsiteX0" fmla="*/ 0 w 10455568"/>
+                  <a:gd name="connsiteY0" fmla="*/ 0 h 715479"/>
+                  <a:gd name="connsiteX1" fmla="*/ 10455568 w 10455568"/>
+                  <a:gd name="connsiteY1" fmla="*/ 0 h 715479"/>
+                  <a:gd name="connsiteX2" fmla="*/ 10434629 w 10455568"/>
+                  <a:gd name="connsiteY2" fmla="*/ 8947 h 715479"/>
+                  <a:gd name="connsiteX3" fmla="*/ 10249341 w 10455568"/>
+                  <a:gd name="connsiteY3" fmla="*/ 73146 h 715479"/>
+                  <a:gd name="connsiteX4" fmla="*/ 10172148 w 10455568"/>
+                  <a:gd name="connsiteY4" fmla="*/ 103170 h 715479"/>
+                  <a:gd name="connsiteX5" fmla="*/ 9994576 w 10455568"/>
+                  <a:gd name="connsiteY5" fmla="*/ 156647 h 715479"/>
+                  <a:gd name="connsiteX6" fmla="*/ 9894474 w 10455568"/>
+                  <a:gd name="connsiteY6" fmla="*/ 192604 h 715479"/>
+                  <a:gd name="connsiteX7" fmla="*/ 9647603 w 10455568"/>
+                  <a:gd name="connsiteY7" fmla="*/ 242354 h 715479"/>
+                  <a:gd name="connsiteX8" fmla="*/ 9392533 w 10455568"/>
+                  <a:gd name="connsiteY8" fmla="*/ 291498 h 715479"/>
+                  <a:gd name="connsiteX9" fmla="*/ 9252019 w 10455568"/>
+                  <a:gd name="connsiteY9" fmla="*/ 311564 h 715479"/>
+                  <a:gd name="connsiteX10" fmla="*/ 9129899 w 10455568"/>
+                  <a:gd name="connsiteY10" fmla="*/ 336497 h 715479"/>
+                  <a:gd name="connsiteX11" fmla="*/ 9023312 w 10455568"/>
+                  <a:gd name="connsiteY11" fmla="*/ 354253 h 715479"/>
+                  <a:gd name="connsiteX12" fmla="*/ 8853949 w 10455568"/>
+                  <a:gd name="connsiteY12" fmla="*/ 387064 h 715479"/>
+                  <a:gd name="connsiteX13" fmla="*/ 8783278 w 10455568"/>
+                  <a:gd name="connsiteY13" fmla="*/ 397418 h 715479"/>
+                  <a:gd name="connsiteX14" fmla="*/ 8615640 w 10455568"/>
+                  <a:gd name="connsiteY14" fmla="*/ 408552 h 715479"/>
+                  <a:gd name="connsiteX15" fmla="*/ 8557154 w 10455568"/>
+                  <a:gd name="connsiteY15" fmla="*/ 409627 h 715479"/>
+                  <a:gd name="connsiteX16" fmla="*/ 8442474 w 10455568"/>
+                  <a:gd name="connsiteY16" fmla="*/ 381318 h 715479"/>
+                  <a:gd name="connsiteX17" fmla="*/ 8428959 w 10455568"/>
+                  <a:gd name="connsiteY17" fmla="*/ 379618 h 715479"/>
+                  <a:gd name="connsiteX18" fmla="*/ 8354329 w 10455568"/>
+                  <a:gd name="connsiteY18" fmla="*/ 370428 h 715479"/>
+                  <a:gd name="connsiteX19" fmla="*/ 8313705 w 10455568"/>
+                  <a:gd name="connsiteY19" fmla="*/ 368535 h 715479"/>
+                  <a:gd name="connsiteX20" fmla="*/ 8158571 w 10455568"/>
+                  <a:gd name="connsiteY20" fmla="*/ 349396 h 715479"/>
+                  <a:gd name="connsiteX21" fmla="*/ 8069467 w 10455568"/>
+                  <a:gd name="connsiteY21" fmla="*/ 341485 h 715479"/>
+                  <a:gd name="connsiteX22" fmla="*/ 7998265 w 10455568"/>
+                  <a:gd name="connsiteY22" fmla="*/ 348379 h 715479"/>
+                  <a:gd name="connsiteX23" fmla="*/ 7873167 w 10455568"/>
+                  <a:gd name="connsiteY23" fmla="*/ 359529 h 715479"/>
+                  <a:gd name="connsiteX24" fmla="*/ 7833600 w 10455568"/>
+                  <a:gd name="connsiteY24" fmla="*/ 368926 h 715479"/>
+                  <a:gd name="connsiteX25" fmla="*/ 7651338 w 10455568"/>
+                  <a:gd name="connsiteY25" fmla="*/ 362121 h 715479"/>
+                  <a:gd name="connsiteX26" fmla="*/ 7548003 w 10455568"/>
+                  <a:gd name="connsiteY26" fmla="*/ 367710 h 715479"/>
+                  <a:gd name="connsiteX27" fmla="*/ 7430093 w 10455568"/>
+                  <a:gd name="connsiteY27" fmla="*/ 351855 h 715479"/>
+                  <a:gd name="connsiteX28" fmla="*/ 7396245 w 10455568"/>
+                  <a:gd name="connsiteY28" fmla="*/ 355328 h 715479"/>
+                  <a:gd name="connsiteX29" fmla="*/ 7358394 w 10455568"/>
+                  <a:gd name="connsiteY29" fmla="*/ 359950 h 715479"/>
+                  <a:gd name="connsiteX30" fmla="*/ 7241933 w 10455568"/>
+                  <a:gd name="connsiteY30" fmla="*/ 369637 h 715479"/>
+                  <a:gd name="connsiteX31" fmla="*/ 7171767 w 10455568"/>
+                  <a:gd name="connsiteY31" fmla="*/ 383160 h 715479"/>
+                  <a:gd name="connsiteX32" fmla="*/ 7036569 w 10455568"/>
+                  <a:gd name="connsiteY32" fmla="*/ 387132 h 715479"/>
+                  <a:gd name="connsiteX33" fmla="*/ 6987200 w 10455568"/>
+                  <a:gd name="connsiteY33" fmla="*/ 398073 h 715479"/>
+                  <a:gd name="connsiteX34" fmla="*/ 6861115 w 10455568"/>
+                  <a:gd name="connsiteY34" fmla="*/ 407542 h 715479"/>
+                  <a:gd name="connsiteX35" fmla="*/ 6747718 w 10455568"/>
+                  <a:gd name="connsiteY35" fmla="*/ 410900 h 715479"/>
+                  <a:gd name="connsiteX36" fmla="*/ 6638839 w 10455568"/>
+                  <a:gd name="connsiteY36" fmla="*/ 420654 h 715479"/>
+                  <a:gd name="connsiteX37" fmla="*/ 6561486 w 10455568"/>
+                  <a:gd name="connsiteY37" fmla="*/ 435540 h 715479"/>
+                  <a:gd name="connsiteX38" fmla="*/ 6477200 w 10455568"/>
+                  <a:gd name="connsiteY38" fmla="*/ 447113 h 715479"/>
+                  <a:gd name="connsiteX39" fmla="*/ 6246111 w 10455568"/>
+                  <a:gd name="connsiteY39" fmla="*/ 497537 h 715479"/>
+                  <a:gd name="connsiteX40" fmla="*/ 6202328 w 10455568"/>
+                  <a:gd name="connsiteY40" fmla="*/ 492074 h 715479"/>
+                  <a:gd name="connsiteX41" fmla="*/ 5956458 w 10455568"/>
+                  <a:gd name="connsiteY41" fmla="*/ 500965 h 715479"/>
+                  <a:gd name="connsiteX42" fmla="*/ 5903139 w 10455568"/>
+                  <a:gd name="connsiteY42" fmla="*/ 505186 h 715479"/>
+                  <a:gd name="connsiteX43" fmla="*/ 5757547 w 10455568"/>
+                  <a:gd name="connsiteY43" fmla="*/ 480730 h 715479"/>
+                  <a:gd name="connsiteX44" fmla="*/ 5540270 w 10455568"/>
+                  <a:gd name="connsiteY44" fmla="*/ 550023 h 715479"/>
+                  <a:gd name="connsiteX45" fmla="*/ 5338128 w 10455568"/>
+                  <a:gd name="connsiteY45" fmla="*/ 631974 h 715479"/>
+                  <a:gd name="connsiteX46" fmla="*/ 5312622 w 10455568"/>
+                  <a:gd name="connsiteY46" fmla="*/ 642454 h 715479"/>
+                  <a:gd name="connsiteX47" fmla="*/ 5239393 w 10455568"/>
+                  <a:gd name="connsiteY47" fmla="*/ 662307 h 715479"/>
+                  <a:gd name="connsiteX48" fmla="*/ 5147821 w 10455568"/>
+                  <a:gd name="connsiteY48" fmla="*/ 673791 h 715479"/>
+                  <a:gd name="connsiteX49" fmla="*/ 5032111 w 10455568"/>
+                  <a:gd name="connsiteY49" fmla="*/ 694497 h 715479"/>
+                  <a:gd name="connsiteX50" fmla="*/ 4937648 w 10455568"/>
+                  <a:gd name="connsiteY50" fmla="*/ 684913 h 715479"/>
+                  <a:gd name="connsiteX51" fmla="*/ 4805529 w 10455568"/>
+                  <a:gd name="connsiteY51" fmla="*/ 670032 h 715479"/>
+                  <a:gd name="connsiteX52" fmla="*/ 4681029 w 10455568"/>
+                  <a:gd name="connsiteY52" fmla="*/ 655792 h 715479"/>
+                  <a:gd name="connsiteX53" fmla="*/ 4643990 w 10455568"/>
+                  <a:gd name="connsiteY53" fmla="*/ 685120 h 715479"/>
+                  <a:gd name="connsiteX54" fmla="*/ 4585542 w 10455568"/>
+                  <a:gd name="connsiteY54" fmla="*/ 712411 h 715479"/>
+                  <a:gd name="connsiteX55" fmla="*/ 4516947 w 10455568"/>
+                  <a:gd name="connsiteY55" fmla="*/ 689117 h 715479"/>
+                  <a:gd name="connsiteX56" fmla="*/ 4356995 w 10455568"/>
+                  <a:gd name="connsiteY56" fmla="*/ 642048 h 715479"/>
+                  <a:gd name="connsiteX57" fmla="*/ 4258219 w 10455568"/>
+                  <a:gd name="connsiteY57" fmla="*/ 646156 h 715479"/>
+                  <a:gd name="connsiteX58" fmla="*/ 4042233 w 10455568"/>
+                  <a:gd name="connsiteY58" fmla="*/ 636117 h 715479"/>
+                  <a:gd name="connsiteX59" fmla="*/ 3899777 w 10455568"/>
+                  <a:gd name="connsiteY59" fmla="*/ 610576 h 715479"/>
+                  <a:gd name="connsiteX60" fmla="*/ 3796441 w 10455568"/>
+                  <a:gd name="connsiteY60" fmla="*/ 577707 h 715479"/>
+                  <a:gd name="connsiteX61" fmla="*/ 3648774 w 10455568"/>
+                  <a:gd name="connsiteY61" fmla="*/ 535623 h 715479"/>
+                  <a:gd name="connsiteX62" fmla="*/ 3502227 w 10455568"/>
+                  <a:gd name="connsiteY62" fmla="*/ 518518 h 715479"/>
+                  <a:gd name="connsiteX63" fmla="*/ 3395228 w 10455568"/>
+                  <a:gd name="connsiteY63" fmla="*/ 491723 h 715479"/>
+                  <a:gd name="connsiteX64" fmla="*/ 3265757 w 10455568"/>
+                  <a:gd name="connsiteY64" fmla="*/ 477242 h 715479"/>
+                  <a:gd name="connsiteX65" fmla="*/ 3158404 w 10455568"/>
+                  <a:gd name="connsiteY65" fmla="*/ 483689 h 715479"/>
+                  <a:gd name="connsiteX66" fmla="*/ 2990483 w 10455568"/>
+                  <a:gd name="connsiteY66" fmla="*/ 499212 h 715479"/>
+                  <a:gd name="connsiteX67" fmla="*/ 2779802 w 10455568"/>
+                  <a:gd name="connsiteY67" fmla="*/ 443069 h 715479"/>
+                  <a:gd name="connsiteX68" fmla="*/ 2695508 w 10455568"/>
+                  <a:gd name="connsiteY68" fmla="*/ 433082 h 715479"/>
+                  <a:gd name="connsiteX69" fmla="*/ 2616713 w 10455568"/>
+                  <a:gd name="connsiteY69" fmla="*/ 431172 h 715479"/>
+                  <a:gd name="connsiteX70" fmla="*/ 2447364 w 10455568"/>
+                  <a:gd name="connsiteY70" fmla="*/ 395810 h 715479"/>
+                  <a:gd name="connsiteX71" fmla="*/ 2378751 w 10455568"/>
+                  <a:gd name="connsiteY71" fmla="*/ 385044 h 715479"/>
+                  <a:gd name="connsiteX72" fmla="*/ 2284230 w 10455568"/>
+                  <a:gd name="connsiteY72" fmla="*/ 391782 h 715479"/>
+                  <a:gd name="connsiteX73" fmla="*/ 2110801 w 10455568"/>
+                  <a:gd name="connsiteY73" fmla="*/ 382042 h 715479"/>
+                  <a:gd name="connsiteX74" fmla="*/ 1934854 w 10455568"/>
+                  <a:gd name="connsiteY74" fmla="*/ 331108 h 715479"/>
+                  <a:gd name="connsiteX75" fmla="*/ 1862479 w 10455568"/>
+                  <a:gd name="connsiteY75" fmla="*/ 342158 h 715479"/>
+                  <a:gd name="connsiteX76" fmla="*/ 1836283 w 10455568"/>
+                  <a:gd name="connsiteY76" fmla="*/ 342488 h 715479"/>
+                  <a:gd name="connsiteX77" fmla="*/ 1599327 w 10455568"/>
+                  <a:gd name="connsiteY77" fmla="*/ 323970 h 715479"/>
+                  <a:gd name="connsiteX78" fmla="*/ 1575578 w 10455568"/>
+                  <a:gd name="connsiteY78" fmla="*/ 321802 h 715479"/>
+                  <a:gd name="connsiteX79" fmla="*/ 1463288 w 10455568"/>
+                  <a:gd name="connsiteY79" fmla="*/ 298576 h 715479"/>
+                  <a:gd name="connsiteX80" fmla="*/ 1184165 w 10455568"/>
+                  <a:gd name="connsiteY80" fmla="*/ 298373 h 715479"/>
+                  <a:gd name="connsiteX81" fmla="*/ 1166899 w 10455568"/>
+                  <a:gd name="connsiteY81" fmla="*/ 297220 h 715479"/>
+                  <a:gd name="connsiteX82" fmla="*/ 1074855 w 10455568"/>
+                  <a:gd name="connsiteY82" fmla="*/ 318934 h 715479"/>
+                  <a:gd name="connsiteX83" fmla="*/ 1030232 w 10455568"/>
+                  <a:gd name="connsiteY83" fmla="*/ 343829 h 715479"/>
+                  <a:gd name="connsiteX84" fmla="*/ 959854 w 10455568"/>
+                  <a:gd name="connsiteY84" fmla="*/ 371351 h 715479"/>
+                  <a:gd name="connsiteX85" fmla="*/ 887350 w 10455568"/>
+                  <a:gd name="connsiteY85" fmla="*/ 384742 h 715479"/>
+                  <a:gd name="connsiteX86" fmla="*/ 762349 w 10455568"/>
+                  <a:gd name="connsiteY86" fmla="*/ 358882 h 715479"/>
+                  <a:gd name="connsiteX87" fmla="*/ 717454 w 10455568"/>
+                  <a:gd name="connsiteY87" fmla="*/ 358448 h 715479"/>
+                  <a:gd name="connsiteX88" fmla="*/ 616859 w 10455568"/>
+                  <a:gd name="connsiteY88" fmla="*/ 348700 h 715479"/>
+                  <a:gd name="connsiteX89" fmla="*/ 529939 w 10455568"/>
+                  <a:gd name="connsiteY89" fmla="*/ 355789 h 715479"/>
+                  <a:gd name="connsiteX90" fmla="*/ 461851 w 10455568"/>
+                  <a:gd name="connsiteY90" fmla="*/ 386945 h 715479"/>
+                  <a:gd name="connsiteX91" fmla="*/ 360707 w 10455568"/>
+                  <a:gd name="connsiteY91" fmla="*/ 399082 h 715479"/>
+                  <a:gd name="connsiteX92" fmla="*/ 293863 w 10455568"/>
+                  <a:gd name="connsiteY92" fmla="*/ 384410 h 715479"/>
+                  <a:gd name="connsiteX93" fmla="*/ 280347 w 10455568"/>
+                  <a:gd name="connsiteY93" fmla="*/ 382711 h 715479"/>
+                  <a:gd name="connsiteX94" fmla="*/ 108881 w 10455568"/>
+                  <a:gd name="connsiteY94" fmla="*/ 393231 h 715479"/>
+                  <a:gd name="connsiteX95" fmla="*/ 53435 w 10455568"/>
+                  <a:gd name="connsiteY95" fmla="*/ 397222 h 715479"/>
+                  <a:gd name="connsiteX96" fmla="*/ 0 w 10455568"/>
+                  <a:gd name="connsiteY96" fmla="*/ 409348 h 715479"/>
+                </a:gdLst>
+                <a:ahLst/>
+                <a:cxnLst>
+                  <a:cxn ang="0">
+                    <a:pos x="connsiteX0" y="connsiteY0"/>
+                  </a:cxn>
+                  <a:cxn ang="0">
+                    <a:pos x="connsiteX1" y="connsiteY1"/>
+                  </a:cxn>
+                  <a:cxn ang="0">
+                    <a:pos x="connsiteX2" y="connsiteY2"/>
+                  </a:cxn>
+                  <a:cxn ang="0">
+                    <a:pos x="connsiteX3" y="connsiteY3"/>
+                  </a:cxn>
+                  <a:cxn ang="0">
+                    <a:pos x="connsiteX4" y="connsiteY4"/>
+                  </a:cxn>
+                  <a:cxn ang="0">
+                    <a:pos x="connsiteX5" y="connsiteY5"/>
+                  </a:cxn>
+                  <a:cxn ang="0">
+                    <a:pos x="connsiteX6" y="connsiteY6"/>
+                  </a:cxn>
+                  <a:cxn ang="0">
+                    <a:pos x="connsiteX7" y="connsiteY7"/>
+                  </a:cxn>
+                  <a:cxn ang="0">
+                    <a:pos x="connsiteX8" y="connsiteY8"/>
+                  </a:cxn>
+                  <a:cxn ang="0">
+                    <a:pos x="connsiteX9" y="connsiteY9"/>
+                  </a:cxn>
+                  <a:cxn ang="0">
+                    <a:pos x="connsiteX10" y="connsiteY10"/>
+                  </a:cxn>
+                  <a:cxn ang="0">
+                    <a:pos x="connsiteX11" y="connsiteY11"/>
+                  </a:cxn>
+                  <a:cxn ang="0">
+                    <a:pos x="connsiteX12" y="connsiteY12"/>
+                  </a:cxn>
+                  <a:cxn ang="0">
+                    <a:pos x="connsiteX13" y="connsiteY13"/>
+                  </a:cxn>
+                  <a:cxn ang="0">
+                    <a:pos x="connsiteX14" y="connsiteY14"/>
+                  </a:cxn>
+                  <a:cxn ang="0">
+                    <a:pos x="connsiteX15" y="connsiteY15"/>
+                  </a:cxn>
+                  <a:cxn ang="0">
+                    <a:pos x="connsiteX16" y="connsiteY16"/>
+                  </a:cxn>
+                  <a:cxn ang="0">
+                    <a:pos x="connsiteX17" y="connsiteY17"/>
+                  </a:cxn>
+                  <a:cxn ang="0">
+                    <a:pos x="connsiteX18" y="connsiteY18"/>
+                  </a:cxn>
+                  <a:cxn ang="0">
+                    <a:pos x="connsiteX19" y="connsiteY19"/>
+                  </a:cxn>
+                  <a:cxn ang="0">
+                    <a:pos x="connsiteX20" y="connsiteY20"/>
+                  </a:cxn>
+                  <a:cxn ang="0">
+                    <a:pos x="connsiteX21" y="connsiteY21"/>
+                  </a:cxn>
+                  <a:cxn ang="0">
+                    <a:pos x="connsiteX22" y="connsiteY22"/>
+                  </a:cxn>
+                  <a:cxn ang="0">
+                    <a:pos x="connsiteX23" y="connsiteY23"/>
+                  </a:cxn>
+                  <a:cxn ang="0">
+                    <a:pos x="connsiteX24" y="connsiteY24"/>
+                  </a:cxn>
+                  <a:cxn ang="0">
+                    <a:pos x="connsiteX25" y="connsiteY25"/>
+                  </a:cxn>
+                  <a:cxn ang="0">
+                    <a:pos x="connsiteX26" y="connsiteY26"/>
+                  </a:cxn>
+                  <a:cxn ang="0">
+                    <a:pos x="connsiteX27" y="connsiteY27"/>
+                  </a:cxn>
+                  <a:cxn ang="0">
+                    <a:pos x="connsiteX28" y="connsiteY28"/>
+                  </a:cxn>
+                  <a:cxn ang="0">
+                    <a:pos x="connsiteX29" y="connsiteY29"/>
+                  </a:cxn>
+                  <a:cxn ang="0">
+                    <a:pos x="connsiteX30" y="connsiteY30"/>
+                  </a:cxn>
+                  <a:cxn ang="0">
+                    <a:pos x="connsiteX31" y="connsiteY31"/>
+                  </a:cxn>
+                  <a:cxn ang="0">
+                    <a:pos x="connsiteX32" y="connsiteY32"/>
+                  </a:cxn>
+                  <a:cxn ang="0">
+                    <a:pos x="connsiteX33" y="connsiteY33"/>
+                  </a:cxn>
+                  <a:cxn ang="0">
+                    <a:pos x="connsiteX34" y="connsiteY34"/>
+                  </a:cxn>
+                  <a:cxn ang="0">
+                    <a:pos x="connsiteX35" y="connsiteY35"/>
+                  </a:cxn>
+                  <a:cxn ang="0">
+                    <a:pos x="connsiteX36" y="connsiteY36"/>
+                  </a:cxn>
+                  <a:cxn ang="0">
+                    <a:pos x="connsiteX37" y="connsiteY37"/>
+                  </a:cxn>
+                  <a:cxn ang="0">
+                    <a:pos x="connsiteX38" y="connsiteY38"/>
+                  </a:cxn>
+                  <a:cxn ang="0">
+                    <a:pos x="connsiteX39" y="connsiteY39"/>
+                  </a:cxn>
+                  <a:cxn ang="0">
+                    <a:pos x="connsiteX40" y="connsiteY40"/>
+                  </a:cxn>
+                  <a:cxn ang="0">
+                    <a:pos x="connsiteX41" y="connsiteY41"/>
+                  </a:cxn>
+                  <a:cxn ang="0">
+                    <a:pos x="connsiteX42" y="connsiteY42"/>
+                  </a:cxn>
+                  <a:cxn ang="0">
+                    <a:pos x="connsiteX43" y="connsiteY43"/>
+                  </a:cxn>
+                  <a:cxn ang="0">
+                    <a:pos x="connsiteX44" y="connsiteY44"/>
+                  </a:cxn>
+                  <a:cxn ang="0">
+                    <a:pos x="connsiteX45" y="connsiteY45"/>
+                  </a:cxn>
+                  <a:cxn ang="0">
+                    <a:pos x="connsiteX46" y="connsiteY46"/>
+                  </a:cxn>
+                  <a:cxn ang="0">
+                    <a:pos x="connsiteX47" y="connsiteY47"/>
+                  </a:cxn>
+                  <a:cxn ang="0">
+                    <a:pos x="connsiteX48" y="connsiteY48"/>
+                  </a:cxn>
+                  <a:cxn ang="0">
+                    <a:pos x="connsiteX49" y="connsiteY49"/>
+                  </a:cxn>
+                  <a:cxn ang="0">
+                    <a:pos x="connsiteX50" y="connsiteY50"/>
+                  </a:cxn>
+                  <a:cxn ang="0">
+                    <a:pos x="connsiteX51" y="connsiteY51"/>
+                  </a:cxn>
+                  <a:cxn ang="0">
+                    <a:pos x="connsiteX52" y="connsiteY52"/>
+                  </a:cxn>
+                  <a:cxn ang="0">
+                    <a:pos x="connsiteX53" y="connsiteY53"/>
+                  </a:cxn>
+                  <a:cxn ang="0">
+                    <a:pos x="connsiteX54" y="connsiteY54"/>
+                  </a:cxn>
+                  <a:cxn ang="0">
+                    <a:pos x="connsiteX55" y="connsiteY55"/>
+                  </a:cxn>
+                  <a:cxn ang="0">
+                    <a:pos x="connsiteX56" y="connsiteY56"/>
+                  </a:cxn>
+                  <a:cxn ang="0">
+                    <a:pos x="connsiteX57" y="connsiteY57"/>
+                  </a:cxn>
+                  <a:cxn ang="0">
+                    <a:pos x="connsiteX58" y="connsiteY58"/>
+                  </a:cxn>
+                  <a:cxn ang="0">
+                    <a:pos x="connsiteX59" y="connsiteY59"/>
+                  </a:cxn>
+                  <a:cxn ang="0">
+                    <a:pos x="connsiteX60" y="connsiteY60"/>
+                  </a:cxn>
+                  <a:cxn ang="0">
+                    <a:pos x="connsiteX61" y="connsiteY61"/>
+                  </a:cxn>
+                  <a:cxn ang="0">
+                    <a:pos x="connsiteX62" y="connsiteY62"/>
+                  </a:cxn>
+                  <a:cxn ang="0">
+                    <a:pos x="connsiteX63" y="connsiteY63"/>
+                  </a:cxn>
+                  <a:cxn ang="0">
+                    <a:pos x="connsiteX64" y="connsiteY64"/>
+                  </a:cxn>
+                  <a:cxn ang="0">
+                    <a:pos x="connsiteX65" y="connsiteY65"/>
+                  </a:cxn>
+                  <a:cxn ang="0">
+                    <a:pos x="connsiteX66" y="connsiteY66"/>
+                  </a:cxn>
+                  <a:cxn ang="0">
+                    <a:pos x="connsiteX67" y="connsiteY67"/>
+                  </a:cxn>
+                  <a:cxn ang="0">
+                    <a:pos x="connsiteX68" y="connsiteY68"/>
+                  </a:cxn>
+                  <a:cxn ang="0">
+                    <a:pos x="connsiteX69" y="connsiteY69"/>
+                  </a:cxn>
+                  <a:cxn ang="0">
+                    <a:pos x="connsiteX70" y="connsiteY70"/>
+                  </a:cxn>
+                  <a:cxn ang="0">
+                    <a:pos x="connsiteX71" y="connsiteY71"/>
+                  </a:cxn>
+                  <a:cxn ang="0">
+                    <a:pos x="connsiteX72" y="connsiteY72"/>
+                  </a:cxn>
+                  <a:cxn ang="0">
+                    <a:pos x="connsiteX73" y="connsiteY73"/>
+                  </a:cxn>
+                  <a:cxn ang="0">
+                    <a:pos x="connsiteX74" y="connsiteY74"/>
+                  </a:cxn>
+                  <a:cxn ang="0">
+                    <a:pos x="connsiteX75" y="connsiteY75"/>
+                  </a:cxn>
+                  <a:cxn ang="0">
+                    <a:pos x="connsiteX76" y="connsiteY76"/>
+                  </a:cxn>
+                  <a:cxn ang="0">
+                    <a:pos x="connsiteX77" y="connsiteY77"/>
+                  </a:cxn>
+                  <a:cxn ang="0">
+                    <a:pos x="connsiteX78" y="connsiteY78"/>
+                  </a:cxn>
+                  <a:cxn ang="0">
+                    <a:pos x="connsiteX79" y="connsiteY79"/>
+                  </a:cxn>
+                  <a:cxn ang="0">
+                    <a:pos x="connsiteX80" y="connsiteY80"/>
+                  </a:cxn>
+                  <a:cxn ang="0">
+                    <a:pos x="connsiteX81" y="connsiteY81"/>
+                  </a:cxn>
+                  <a:cxn ang="0">
+                    <a:pos x="connsiteX82" y="connsiteY82"/>
+                  </a:cxn>
+                  <a:cxn ang="0">
+                    <a:pos x="connsiteX83" y="connsiteY83"/>
+                  </a:cxn>
+                  <a:cxn ang="0">
+                    <a:pos x="connsiteX84" y="connsiteY84"/>
+                  </a:cxn>
+                  <a:cxn ang="0">
+                    <a:pos x="connsiteX85" y="connsiteY85"/>
+                  </a:cxn>
+                  <a:cxn ang="0">
+                    <a:pos x="connsiteX86" y="connsiteY86"/>
+                  </a:cxn>
+                  <a:cxn ang="0">
+                    <a:pos x="connsiteX87" y="connsiteY87"/>
+                  </a:cxn>
+                  <a:cxn ang="0">
+                    <a:pos x="connsiteX88" y="connsiteY88"/>
+                  </a:cxn>
+                  <a:cxn ang="0">
+                    <a:pos x="connsiteX89" y="connsiteY89"/>
+                  </a:cxn>
+                  <a:cxn ang="0">
+                    <a:pos x="connsiteX90" y="connsiteY90"/>
+                  </a:cxn>
+                  <a:cxn ang="0">
+                    <a:pos x="connsiteX91" y="connsiteY91"/>
+                  </a:cxn>
+                  <a:cxn ang="0">
+                    <a:pos x="connsiteX92" y="connsiteY92"/>
+                  </a:cxn>
+                  <a:cxn ang="0">
+                    <a:pos x="connsiteX93" y="connsiteY93"/>
+                  </a:cxn>
+                  <a:cxn ang="0">
+                    <a:pos x="connsiteX94" y="connsiteY94"/>
+                  </a:cxn>
+                  <a:cxn ang="0">
+                    <a:pos x="connsiteX95" y="connsiteY95"/>
+                  </a:cxn>
+                  <a:cxn ang="0">
+                    <a:pos x="connsiteX96" y="connsiteY96"/>
+                  </a:cxn>
+                </a:cxnLst>
+                <a:rect l="l" t="t" r="r" b="b"/>
+                <a:pathLst>
+                  <a:path w="10455568" h="715479">
+                    <a:moveTo>
+                      <a:pt x="0" y="0"/>
+                    </a:moveTo>
+                    <a:lnTo>
+                      <a:pt x="10455568" y="0"/>
+                    </a:lnTo>
+                    <a:lnTo>
+                      <a:pt x="10434629" y="8947"/>
+                    </a:lnTo>
+                    <a:cubicBezTo>
+                      <a:pt x="10373917" y="32898"/>
+                      <a:pt x="10311087" y="51455"/>
+                      <a:pt x="10249341" y="73146"/>
+                    </a:cubicBezTo>
+                    <a:cubicBezTo>
+                      <a:pt x="10223176" y="82504"/>
+                      <a:pt x="10198388" y="94974"/>
+                      <a:pt x="10172148" y="103170"/>
+                    </a:cubicBezTo>
+                    <a:cubicBezTo>
+                      <a:pt x="10113395" y="121743"/>
+                      <a:pt x="10053617" y="138053"/>
+                      <a:pt x="9994576" y="156647"/>
+                    </a:cubicBezTo>
+                    <a:cubicBezTo>
+                      <a:pt x="9960929" y="167389"/>
+                      <a:pt x="9928899" y="184724"/>
+                      <a:pt x="9894474" y="192604"/>
+                    </a:cubicBezTo>
+                    <a:cubicBezTo>
+                      <a:pt x="9812718" y="211289"/>
+                      <a:pt x="9730121" y="226242"/>
+                      <a:pt x="9647603" y="242354"/>
+                    </a:cubicBezTo>
+                    <a:cubicBezTo>
+                      <a:pt x="9562500" y="258935"/>
+                      <a:pt x="9477721" y="276078"/>
+                      <a:pt x="9392533" y="291498"/>
+                    </a:cubicBezTo>
+                    <a:cubicBezTo>
+                      <a:pt x="9345891" y="299632"/>
+                      <a:pt x="9298681" y="303723"/>
+                      <a:pt x="9252019" y="311564"/>
+                    </a:cubicBezTo>
+                    <a:cubicBezTo>
+                      <a:pt x="9211115" y="318433"/>
+                      <a:pt x="9170740" y="328758"/>
+                      <a:pt x="9129899" y="336497"/>
+                    </a:cubicBezTo>
+                    <a:cubicBezTo>
+                      <a:pt x="9094507" y="342987"/>
+                      <a:pt x="9058706" y="347759"/>
+                      <a:pt x="9023312" y="354253"/>
+                    </a:cubicBezTo>
+                    <a:cubicBezTo>
+                      <a:pt x="8966639" y="364814"/>
+                      <a:pt x="8910315" y="376230"/>
+                      <a:pt x="8853949" y="387064"/>
+                    </a:cubicBezTo>
+                    <a:cubicBezTo>
+                      <a:pt x="8830350" y="391295"/>
+                      <a:pt x="8805902" y="400245"/>
+                      <a:pt x="8783278" y="397418"/>
+                    </a:cubicBezTo>
+                    <a:cubicBezTo>
+                      <a:pt x="8726267" y="390232"/>
+                      <a:pt x="8671093" y="397198"/>
+                      <a:pt x="8615640" y="408552"/>
+                    </a:cubicBezTo>
+                    <a:cubicBezTo>
+                      <a:pt x="8596680" y="412471"/>
+                      <a:pt x="8576049" y="413291"/>
+                      <a:pt x="8557154" y="409627"/>
+                    </a:cubicBezTo>
+                    <a:cubicBezTo>
+                      <a:pt x="8518491" y="402356"/>
+                      <a:pt x="8480716" y="390947"/>
+                      <a:pt x="8442474" y="381318"/>
+                    </a:cubicBezTo>
+                    <a:cubicBezTo>
+                      <a:pt x="8438313" y="380145"/>
+                      <a:pt x="8433365" y="380189"/>
+                      <a:pt x="8428959" y="379618"/>
+                    </a:cubicBezTo>
+                    <a:cubicBezTo>
+                      <a:pt x="8403970" y="376366"/>
+                      <a:pt x="8379279" y="373098"/>
+                      <a:pt x="8354329" y="370428"/>
+                    </a:cubicBezTo>
+                    <a:cubicBezTo>
+                      <a:pt x="8340833" y="369017"/>
+                      <a:pt x="8327184" y="369657"/>
+                      <a:pt x="8313705" y="368535"/>
+                    </a:cubicBezTo>
+                    <a:cubicBezTo>
+                      <a:pt x="8261532" y="363935"/>
+                      <a:pt x="8205623" y="381441"/>
+                      <a:pt x="8158571" y="349396"/>
+                    </a:cubicBezTo>
+                    <a:cubicBezTo>
+                      <a:pt x="8128030" y="328752"/>
+                      <a:pt x="8100257" y="335890"/>
+                      <a:pt x="8069467" y="341485"/>
+                    </a:cubicBezTo>
+                    <a:cubicBezTo>
+                      <a:pt x="8046153" y="345696"/>
+                      <a:pt x="8022024" y="346466"/>
+                      <a:pt x="7998265" y="348379"/>
+                    </a:cubicBezTo>
+                    <a:cubicBezTo>
+                      <a:pt x="7956565" y="352093"/>
+                      <a:pt x="7914826" y="355232"/>
+                      <a:pt x="7873167" y="359529"/>
+                    </a:cubicBezTo>
+                    <a:cubicBezTo>
+                      <a:pt x="7859864" y="361016"/>
+                      <a:pt x="7846730" y="369197"/>
+                      <a:pt x="7833600" y="368926"/>
+                    </a:cubicBezTo>
+                    <a:cubicBezTo>
+                      <a:pt x="7772906" y="367528"/>
+                      <a:pt x="7711993" y="362939"/>
+                      <a:pt x="7651338" y="362121"/>
+                    </a:cubicBezTo>
+                    <a:cubicBezTo>
+                      <a:pt x="7616924" y="361556"/>
+                      <a:pt x="7582209" y="369456"/>
+                      <a:pt x="7548003" y="367710"/>
+                    </a:cubicBezTo>
+                    <a:cubicBezTo>
+                      <a:pt x="7508539" y="365739"/>
+                      <a:pt x="7469448" y="356458"/>
+                      <a:pt x="7430093" y="351855"/>
+                    </a:cubicBezTo>
+                    <a:cubicBezTo>
+                      <a:pt x="7419227" y="350559"/>
+                      <a:pt x="7407516" y="353979"/>
+                      <a:pt x="7396245" y="355328"/>
+                    </a:cubicBezTo>
+                    <a:cubicBezTo>
+                      <a:pt x="7383524" y="356781"/>
+                      <a:pt x="7371134" y="358791"/>
+                      <a:pt x="7358394" y="359950"/>
+                    </a:cubicBezTo>
+                    <a:cubicBezTo>
+                      <a:pt x="7319573" y="363179"/>
+                      <a:pt x="7280655" y="364958"/>
+                      <a:pt x="7241933" y="369637"/>
+                    </a:cubicBezTo>
+                    <a:cubicBezTo>
+                      <a:pt x="7218235" y="372418"/>
+                      <a:pt x="7194108" y="386008"/>
+                      <a:pt x="7171767" y="383160"/>
+                    </a:cubicBezTo>
+                    <a:cubicBezTo>
+                      <a:pt x="7126248" y="377813"/>
+                      <a:pt x="7082583" y="399728"/>
+                      <a:pt x="7036569" y="387132"/>
+                    </a:cubicBezTo>
+                    <a:cubicBezTo>
+                      <a:pt x="7022328" y="383442"/>
+                      <a:pt x="7003983" y="396347"/>
+                      <a:pt x="6987200" y="398073"/>
+                    </a:cubicBezTo>
+                    <a:cubicBezTo>
+                      <a:pt x="6945251" y="402388"/>
+                      <a:pt x="6903183" y="404965"/>
+                      <a:pt x="6861115" y="407542"/>
+                    </a:cubicBezTo>
+                    <a:cubicBezTo>
+                      <a:pt x="6823394" y="409822"/>
+                      <a:pt x="6784520" y="416550"/>
+                      <a:pt x="6747718" y="410900"/>
+                    </a:cubicBezTo>
+                    <a:cubicBezTo>
+                      <a:pt x="6709137" y="404791"/>
+                      <a:pt x="6674999" y="408284"/>
+                      <a:pt x="6638839" y="420654"/>
+                    </a:cubicBezTo>
+                    <a:cubicBezTo>
+                      <a:pt x="6614066" y="429044"/>
+                      <a:pt x="6587444" y="431733"/>
+                      <a:pt x="6561486" y="435540"/>
+                    </a:cubicBezTo>
+                    <a:cubicBezTo>
+                      <a:pt x="6533513" y="439778"/>
+                      <a:pt x="6502069" y="435804"/>
+                      <a:pt x="6477200" y="447113"/>
+                    </a:cubicBezTo>
+                    <a:cubicBezTo>
+                      <a:pt x="6403159" y="480713"/>
+                      <a:pt x="6325566" y="492119"/>
+                      <a:pt x="6246111" y="497537"/>
+                    </a:cubicBezTo>
+                    <a:cubicBezTo>
+                      <a:pt x="6231608" y="498524"/>
+                      <a:pt x="6216540" y="495475"/>
+                      <a:pt x="6202328" y="492074"/>
+                    </a:cubicBezTo>
+                    <a:cubicBezTo>
+                      <a:pt x="6119346" y="471508"/>
+                      <a:pt x="6038018" y="479381"/>
+                      <a:pt x="5956458" y="500965"/>
+                    </a:cubicBezTo>
+                    <a:cubicBezTo>
+                      <a:pt x="5939584" y="505613"/>
+                      <a:pt x="5920486" y="507499"/>
+                      <a:pt x="5903139" y="505186"/>
+                    </a:cubicBezTo>
+                    <a:cubicBezTo>
+                      <a:pt x="5854306" y="498315"/>
+                      <a:pt x="5806470" y="484677"/>
+                      <a:pt x="5757547" y="480730"/>
+                    </a:cubicBezTo>
+                    <a:cubicBezTo>
+                      <a:pt x="5676701" y="474297"/>
+                      <a:pt x="5610121" y="519038"/>
+                      <a:pt x="5540270" y="550023"/>
+                    </a:cubicBezTo>
+                    <a:cubicBezTo>
+                      <a:pt x="5473801" y="579316"/>
+                      <a:pt x="5419599" y="638949"/>
+                      <a:pt x="5338128" y="631974"/>
+                    </a:cubicBezTo>
+                    <a:cubicBezTo>
+                      <a:pt x="5329931" y="631367"/>
+                      <a:pt x="5321476" y="639812"/>
+                      <a:pt x="5312622" y="642454"/>
+                    </a:cubicBezTo>
+                    <a:cubicBezTo>
+                      <a:pt x="5288350" y="649647"/>
+                      <a:pt x="5264155" y="657994"/>
+                      <a:pt x="5239393" y="662307"/>
+                    </a:cubicBezTo>
+                    <a:cubicBezTo>
+                      <a:pt x="5209181" y="667862"/>
+                      <a:pt x="5178072" y="668817"/>
+                      <a:pt x="5147821" y="673791"/>
+                    </a:cubicBezTo>
+                    <a:cubicBezTo>
+                      <a:pt x="5108908" y="679940"/>
+                      <a:pt x="5070972" y="691848"/>
+                      <a:pt x="5032111" y="694497"/>
+                    </a:cubicBezTo>
+                    <a:cubicBezTo>
+                      <a:pt x="5000793" y="696632"/>
+                      <a:pt x="4969032" y="688019"/>
+                      <a:pt x="4937648" y="684913"/>
+                    </a:cubicBezTo>
+                    <a:cubicBezTo>
+                      <a:pt x="4893363" y="680649"/>
+                      <a:pt x="4845361" y="685962"/>
+                      <a:pt x="4805529" y="670032"/>
+                    </a:cubicBezTo>
+                    <a:cubicBezTo>
+                      <a:pt x="4763006" y="653119"/>
+                      <a:pt x="4723244" y="646796"/>
+                      <a:pt x="4681029" y="655792"/>
+                    </a:cubicBezTo>
+                    <a:cubicBezTo>
+                      <a:pt x="4666957" y="658791"/>
+                      <a:pt x="4649519" y="672217"/>
+                      <a:pt x="4643990" y="685120"/>
+                    </a:cubicBezTo>
+                    <a:cubicBezTo>
+                      <a:pt x="4631676" y="713928"/>
+                      <a:pt x="4612585" y="720184"/>
+                      <a:pt x="4585542" y="712411"/>
+                    </a:cubicBezTo>
+                    <a:cubicBezTo>
+                      <a:pt x="4562077" y="705853"/>
+                      <a:pt x="4533672" y="703713"/>
+                      <a:pt x="4516947" y="689117"/>
+                    </a:cubicBezTo>
+                    <a:cubicBezTo>
+                      <a:pt x="4469552" y="647774"/>
+                      <a:pt x="4412904" y="650180"/>
+                      <a:pt x="4356995" y="642048"/>
+                    </a:cubicBezTo>
+                    <a:cubicBezTo>
+                      <a:pt x="4322867" y="637088"/>
+                      <a:pt x="4291523" y="638934"/>
+                      <a:pt x="4258219" y="646156"/>
+                    </a:cubicBezTo>
+                    <a:cubicBezTo>
+                      <a:pt x="4185895" y="662159"/>
+                      <a:pt x="4113776" y="651342"/>
+                      <a:pt x="4042233" y="636117"/>
+                    </a:cubicBezTo>
+                    <a:cubicBezTo>
+                      <a:pt x="3994923" y="625941"/>
+                      <a:pt x="3946812" y="621063"/>
+                      <a:pt x="3899777" y="610576"/>
+                    </a:cubicBezTo>
+                    <a:cubicBezTo>
+                      <a:pt x="3864554" y="602488"/>
+                      <a:pt x="3829196" y="592371"/>
+                      <a:pt x="3796441" y="577707"/>
+                    </a:cubicBezTo>
+                    <a:cubicBezTo>
+                      <a:pt x="3748937" y="556178"/>
+                      <a:pt x="3706395" y="521788"/>
+                      <a:pt x="3648774" y="535623"/>
+                    </a:cubicBezTo>
+                    <a:cubicBezTo>
+                      <a:pt x="3598036" y="547820"/>
+                      <a:pt x="3550396" y="532716"/>
+                      <a:pt x="3502227" y="518518"/>
+                    </a:cubicBezTo>
+                    <a:cubicBezTo>
+                      <a:pt x="3466848" y="508111"/>
+                      <a:pt x="3431455" y="497410"/>
+                      <a:pt x="3395228" y="491723"/>
+                    </a:cubicBezTo>
+                    <a:cubicBezTo>
+                      <a:pt x="3352235" y="485040"/>
+                      <a:pt x="3304663" y="492363"/>
+                      <a:pt x="3265757" y="477242"/>
+                    </a:cubicBezTo>
+                    <a:cubicBezTo>
+                      <a:pt x="3225052" y="461369"/>
+                      <a:pt x="3193136" y="476075"/>
+                      <a:pt x="3158404" y="483689"/>
+                    </a:cubicBezTo>
+                    <a:cubicBezTo>
+                      <a:pt x="3102986" y="495623"/>
+                      <a:pt x="3048333" y="514498"/>
+                      <a:pt x="2990483" y="499212"/>
+                    </a:cubicBezTo>
+                    <a:cubicBezTo>
+                      <a:pt x="2920173" y="480697"/>
+                      <a:pt x="2850324" y="460405"/>
+                      <a:pt x="2779802" y="443069"/>
+                    </a:cubicBezTo>
+                    <a:cubicBezTo>
+                      <a:pt x="2752548" y="436477"/>
+                      <a:pt x="2723606" y="434954"/>
+                      <a:pt x="2695508" y="433082"/>
+                    </a:cubicBezTo>
+                    <a:cubicBezTo>
+                      <a:pt x="2668903" y="431690"/>
+                      <a:pt x="2637847" y="441965"/>
+                      <a:pt x="2616713" y="431172"/>
+                    </a:cubicBezTo>
+                    <a:cubicBezTo>
+                      <a:pt x="2562378" y="403411"/>
+                      <a:pt x="2507687" y="391698"/>
+                      <a:pt x="2447364" y="395810"/>
+                    </a:cubicBezTo>
+                    <a:cubicBezTo>
+                      <a:pt x="2424744" y="397352"/>
+                      <a:pt x="2401814" y="385802"/>
+                      <a:pt x="2378751" y="385044"/>
+                    </a:cubicBezTo>
+                    <a:cubicBezTo>
+                      <a:pt x="2347229" y="384281"/>
+                      <a:pt x="2310735" y="378901"/>
+                      <a:pt x="2284230" y="391782"/>
+                    </a:cubicBezTo>
+                    <a:cubicBezTo>
+                      <a:pt x="2221919" y="422248"/>
+                      <a:pt x="2168532" y="404037"/>
+                      <a:pt x="2110801" y="382042"/>
+                    </a:cubicBezTo>
+                    <a:cubicBezTo>
+                      <a:pt x="2053961" y="360279"/>
+                      <a:pt x="1994577" y="343935"/>
+                      <a:pt x="1934854" y="331108"/>
+                    </a:cubicBezTo>
+                    <a:cubicBezTo>
+                      <a:pt x="1912400" y="326519"/>
+                      <a:pt x="1886705" y="338470"/>
+                      <a:pt x="1862479" y="342158"/>
+                    </a:cubicBezTo>
+                    <a:cubicBezTo>
+                      <a:pt x="1853818" y="343333"/>
+                      <a:pt x="1844309" y="344855"/>
+                      <a:pt x="1836283" y="342488"/>
+                    </a:cubicBezTo>
+                    <a:cubicBezTo>
+                      <a:pt x="1758698" y="319808"/>
+                      <a:pt x="1680403" y="303878"/>
+                      <a:pt x="1599327" y="323970"/>
+                    </a:cubicBezTo>
+                    <a:cubicBezTo>
+                      <a:pt x="1591888" y="325937"/>
+                      <a:pt x="1583257" y="323319"/>
+                      <a:pt x="1575578" y="321802"/>
+                    </a:cubicBezTo>
+                    <a:cubicBezTo>
+                      <a:pt x="1538035" y="313873"/>
+                      <a:pt x="1500950" y="299795"/>
+                      <a:pt x="1463288" y="298576"/>
+                    </a:cubicBezTo>
+                    <a:cubicBezTo>
+                      <a:pt x="1370438" y="295582"/>
+                      <a:pt x="1277384" y="298137"/>
+                      <a:pt x="1184165" y="298373"/>
+                    </a:cubicBezTo>
+                    <a:cubicBezTo>
+                      <a:pt x="1178344" y="298480"/>
+                      <a:pt x="1172255" y="298896"/>
+                      <a:pt x="1166899" y="297220"/>
+                    </a:cubicBezTo>
+                    <a:cubicBezTo>
+                      <a:pt x="1131827" y="287082"/>
+                      <a:pt x="1102238" y="293180"/>
+                      <a:pt x="1074855" y="318934"/>
+                    </a:cubicBezTo>
+                    <a:cubicBezTo>
+                      <a:pt x="1062808" y="330244"/>
+                      <a:pt x="1045783" y="336940"/>
+                      <a:pt x="1030232" y="343829"/>
+                    </a:cubicBezTo>
+                    <a:cubicBezTo>
+                      <a:pt x="1007334" y="354132"/>
+                      <a:pt x="983839" y="364180"/>
+                      <a:pt x="959854" y="371351"/>
+                    </a:cubicBezTo>
+                    <a:cubicBezTo>
+                      <a:pt x="936141" y="378210"/>
+                      <a:pt x="910825" y="387219"/>
+                      <a:pt x="887350" y="384742"/>
+                    </a:cubicBezTo>
+                    <a:cubicBezTo>
+                      <a:pt x="845096" y="380339"/>
+                      <a:pt x="804258" y="366810"/>
+                      <a:pt x="762349" y="358882"/>
+                    </a:cubicBezTo>
+                    <a:cubicBezTo>
+                      <a:pt x="747884" y="356082"/>
+                      <a:pt x="732263" y="357732"/>
+                      <a:pt x="717454" y="358448"/>
+                    </a:cubicBezTo>
+                    <a:cubicBezTo>
+                      <a:pt x="683463" y="359893"/>
+                      <a:pt x="649238" y="370675"/>
+                      <a:pt x="616859" y="348700"/>
+                    </a:cubicBezTo>
+                    <a:cubicBezTo>
+                      <a:pt x="586900" y="328019"/>
+                      <a:pt x="558641" y="336644"/>
+                      <a:pt x="529939" y="355789"/>
+                    </a:cubicBezTo>
+                    <a:cubicBezTo>
+                      <a:pt x="509309" y="369433"/>
+                      <a:pt x="485605" y="380664"/>
+                      <a:pt x="461851" y="386945"/>
+                    </a:cubicBezTo>
+                    <a:cubicBezTo>
+                      <a:pt x="429225" y="395576"/>
+                      <a:pt x="396634" y="400422"/>
+                      <a:pt x="360707" y="399082"/>
+                    </a:cubicBezTo>
+                    <a:cubicBezTo>
+                      <a:pt x="335299" y="398193"/>
+                      <a:pt x="314629" y="398437"/>
+                      <a:pt x="293863" y="384410"/>
+                    </a:cubicBezTo>
+                    <a:cubicBezTo>
+                      <a:pt x="290517" y="382308"/>
+                      <a:pt x="284678" y="382122"/>
+                      <a:pt x="280347" y="382711"/>
+                    </a:cubicBezTo>
+                    <a:cubicBezTo>
+                      <a:pt x="223554" y="391535"/>
+                      <a:pt x="166827" y="392780"/>
+                      <a:pt x="108881" y="393231"/>
+                    </a:cubicBezTo>
+                    <a:cubicBezTo>
+                      <a:pt x="90460" y="393322"/>
+                      <a:pt x="71882" y="394571"/>
+                      <a:pt x="53435" y="397222"/>
+                    </a:cubicBezTo>
+                    <a:lnTo>
+                      <a:pt x="0" y="409348"/>
+                    </a:lnTo>
+                    <a:close/>
+                  </a:path>
+                </a:pathLst>
+              </a:custGeom>
+              <a:blipFill>
+                <a:blip r:embed="rId2">
+                  <a:alphaModFix amt="57000"/>
+                </a:blip>
+                <a:tile tx="0" ty="0" sx="100000" sy="100000" flip="none" algn="tl"/>
+              </a:blipFill>
+              <a:ln w="12700" cap="flat" cmpd="sng" algn="ctr">
+                <a:noFill/>
+                <a:prstDash val="solid"/>
+                <a:miter lim="800000"/>
+              </a:ln>
+              <a:effectLst/>
+            </p:spPr>
+            <p:style>
+              <a:lnRef idx="2">
+                <a:schemeClr val="accent1">
+                  <a:shade val="50000"/>
+                </a:schemeClr>
+              </a:lnRef>
+              <a:fillRef idx="1">
+                <a:schemeClr val="accent1"/>
+              </a:fillRef>
+              <a:effectRef idx="0">
+                <a:schemeClr val="accent1"/>
+              </a:effectRef>
+              <a:fontRef idx="minor">
+                <a:schemeClr val="lt1"/>
+              </a:fontRef>
+            </p:style>
+            <p:txBody>
+              <a:bodyPr rtlCol="0" anchor="ctr"/>
+              <a:lstStyle/>
+              <a:p>
+                <a:pPr algn="ctr"/>
+                <a:endParaRPr lang="en-US"/>
+              </a:p>
+            </p:txBody>
+          </p:sp>
+        </p:grpSp>
+      </p:grpSp>
+      <p:sp>
+        <p:nvSpPr>
+          <p:cNvPr id="3" name="Content Placeholder 3">
+            <a:extLst>
+              <a:ext uri="{FF2B5EF4-FFF2-40B4-BE49-F238E27FC236}">
+                <a16:creationId xmlns:a16="http://schemas.microsoft.com/office/drawing/2014/main" id="{A22ED2AD-031E-E3C7-1CFC-AF0AD8A40BEF}"/>
+              </a:ext>
+            </a:extLst>
+          </p:cNvPr>
+          <p:cNvSpPr txBox="1">
+            <a:spLocks/>
+          </p:cNvSpPr>
+          <p:nvPr/>
+        </p:nvSpPr>
+        <p:spPr>
+          <a:xfrm>
+            <a:off x="658091" y="1658905"/>
+            <a:ext cx="6554799" cy="4371019"/>
+          </a:xfrm>
+          <a:prstGeom prst="rect">
+            <a:avLst/>
+          </a:prstGeom>
+        </p:spPr>
+        <p:txBody>
+          <a:bodyPr>
+            <a:normAutofit fontScale="85000" lnSpcReduction="20000"/>
+          </a:bodyPr>
+          <a:lstStyle>
+            <a:lvl1pPr marL="228600" indent="-228600" algn="l" defTabSz="914400" rtl="0" eaLnBrk="1" latinLnBrk="0" hangingPunct="1">
+              <a:lnSpc>
+                <a:spcPct val="90000"/>
+              </a:lnSpc>
+              <a:spcBef>
+                <a:spcPts val="1000"/>
+              </a:spcBef>
+              <a:buFont typeface="Arial" panose="020B0604020202020204" pitchFamily="34" charset="0"/>
+              <a:buChar char="•"/>
+              <a:defRPr sz="2800" kern="1200">
+                <a:solidFill>
+                  <a:schemeClr val="tx1"/>
+                </a:solidFill>
+                <a:latin typeface="+mn-lt"/>
+                <a:ea typeface="+mn-ea"/>
+                <a:cs typeface="+mn-cs"/>
+              </a:defRPr>
+            </a:lvl1pPr>
+            <a:lvl2pPr marL="685800" indent="-228600" algn="l" defTabSz="914400" rtl="0" eaLnBrk="1" latinLnBrk="0" hangingPunct="1">
+              <a:lnSpc>
+                <a:spcPct val="90000"/>
+              </a:lnSpc>
+              <a:spcBef>
+                <a:spcPts val="500"/>
+              </a:spcBef>
+              <a:buFont typeface="Arial" panose="020B0604020202020204" pitchFamily="34" charset="0"/>
+              <a:buChar char="•"/>
+              <a:defRPr sz="2400" kern="1200">
+                <a:solidFill>
+                  <a:schemeClr val="tx1"/>
+                </a:solidFill>
+                <a:latin typeface="+mn-lt"/>
+                <a:ea typeface="+mn-ea"/>
+                <a:cs typeface="+mn-cs"/>
+              </a:defRPr>
+            </a:lvl2pPr>
+            <a:lvl3pPr marL="1143000" indent="-228600" algn="l" defTabSz="914400" rtl="0" eaLnBrk="1" latinLnBrk="0" hangingPunct="1">
+              <a:lnSpc>
+                <a:spcPct val="90000"/>
+              </a:lnSpc>
+              <a:spcBef>
+                <a:spcPts val="500"/>
+              </a:spcBef>
+              <a:buFont typeface="Arial" panose="020B0604020202020204" pitchFamily="34" charset="0"/>
+              <a:buChar char="•"/>
+              <a:defRPr sz="2000" kern="1200">
+                <a:solidFill>
+                  <a:schemeClr val="tx1"/>
+                </a:solidFill>
+                <a:latin typeface="+mn-lt"/>
+                <a:ea typeface="+mn-ea"/>
+                <a:cs typeface="+mn-cs"/>
+              </a:defRPr>
+            </a:lvl3pPr>
+            <a:lvl4pPr marL="1600200" indent="-228600" algn="l" defTabSz="914400" rtl="0" eaLnBrk="1" latinLnBrk="0" hangingPunct="1">
+              <a:lnSpc>
+                <a:spcPct val="90000"/>
+              </a:lnSpc>
+              <a:spcBef>
+                <a:spcPts val="500"/>
+              </a:spcBef>
+              <a:buFont typeface="Arial" panose="020B0604020202020204" pitchFamily="34" charset="0"/>
+              <a:buChar char="•"/>
+              <a:defRPr sz="1800" kern="1200">
+                <a:solidFill>
+                  <a:schemeClr val="tx1"/>
+                </a:solidFill>
+                <a:latin typeface="+mn-lt"/>
+                <a:ea typeface="+mn-ea"/>
+                <a:cs typeface="+mn-cs"/>
+              </a:defRPr>
+            </a:lvl4pPr>
+            <a:lvl5pPr marL="2057400" indent="-228600" algn="l" defTabSz="914400" rtl="0" eaLnBrk="1" latinLnBrk="0" hangingPunct="1">
+              <a:lnSpc>
+                <a:spcPct val="90000"/>
+              </a:lnSpc>
+              <a:spcBef>
+                <a:spcPts val="500"/>
+              </a:spcBef>
+              <a:buFont typeface="Arial" panose="020B0604020202020204" pitchFamily="34" charset="0"/>
+              <a:buChar char="•"/>
+              <a:defRPr sz="1800" kern="1200">
+                <a:solidFill>
+                  <a:schemeClr val="tx1"/>
+                </a:solidFill>
+                <a:latin typeface="+mn-lt"/>
+                <a:ea typeface="+mn-ea"/>
+                <a:cs typeface="+mn-cs"/>
+              </a:defRPr>
+            </a:lvl5pPr>
+            <a:lvl6pPr marL="2514600" indent="-228600" algn="l" defTabSz="914400" rtl="0" eaLnBrk="1" latinLnBrk="0" hangingPunct="1">
+              <a:lnSpc>
+                <a:spcPct val="90000"/>
+              </a:lnSpc>
+              <a:spcBef>
+                <a:spcPts val="500"/>
+              </a:spcBef>
+              <a:buFont typeface="Arial" panose="020B0604020202020204" pitchFamily="34" charset="0"/>
+              <a:buChar char="•"/>
+              <a:defRPr sz="1800" kern="1200">
+                <a:solidFill>
+                  <a:schemeClr val="tx1"/>
+                </a:solidFill>
+                <a:latin typeface="+mn-lt"/>
+                <a:ea typeface="+mn-ea"/>
+                <a:cs typeface="+mn-cs"/>
+              </a:defRPr>
+            </a:lvl6pPr>
+            <a:lvl7pPr marL="2971800" indent="-228600" algn="l" defTabSz="914400" rtl="0" eaLnBrk="1" latinLnBrk="0" hangingPunct="1">
+              <a:lnSpc>
+                <a:spcPct val="90000"/>
+              </a:lnSpc>
+              <a:spcBef>
+                <a:spcPts val="500"/>
+              </a:spcBef>
+              <a:buFont typeface="Arial" panose="020B0604020202020204" pitchFamily="34" charset="0"/>
+              <a:buChar char="•"/>
+              <a:defRPr sz="1800" kern="1200">
+                <a:solidFill>
+                  <a:schemeClr val="tx1"/>
+                </a:solidFill>
+                <a:latin typeface="+mn-lt"/>
+                <a:ea typeface="+mn-ea"/>
+                <a:cs typeface="+mn-cs"/>
+              </a:defRPr>
+            </a:lvl7pPr>
+            <a:lvl8pPr marL="3429000" indent="-228600" algn="l" defTabSz="914400" rtl="0" eaLnBrk="1" latinLnBrk="0" hangingPunct="1">
+              <a:lnSpc>
+                <a:spcPct val="90000"/>
+              </a:lnSpc>
+              <a:spcBef>
+                <a:spcPts val="500"/>
+              </a:spcBef>
+              <a:buFont typeface="Arial" panose="020B0604020202020204" pitchFamily="34" charset="0"/>
+              <a:buChar char="•"/>
+              <a:defRPr sz="1800" kern="1200">
+                <a:solidFill>
+                  <a:schemeClr val="tx1"/>
+                </a:solidFill>
+                <a:latin typeface="+mn-lt"/>
+                <a:ea typeface="+mn-ea"/>
+                <a:cs typeface="+mn-cs"/>
+              </a:defRPr>
+            </a:lvl8pPr>
+            <a:lvl9pPr marL="3886200" indent="-228600" algn="l" defTabSz="914400" rtl="0" eaLnBrk="1" latinLnBrk="0" hangingPunct="1">
+              <a:lnSpc>
+                <a:spcPct val="90000"/>
+              </a:lnSpc>
+              <a:spcBef>
+                <a:spcPts val="500"/>
+              </a:spcBef>
+              <a:buFont typeface="Arial" panose="020B0604020202020204" pitchFamily="34" charset="0"/>
+              <a:buChar char="•"/>
+              <a:defRPr sz="1800" kern="1200">
+                <a:solidFill>
+                  <a:schemeClr val="tx1"/>
+                </a:solidFill>
+                <a:latin typeface="+mn-lt"/>
+                <a:ea typeface="+mn-ea"/>
+                <a:cs typeface="+mn-cs"/>
+              </a:defRPr>
+            </a:lvl9pPr>
+          </a:lstStyle>
+          <a:p>
+            <a:pPr marL="0" indent="0">
+              <a:buNone/>
+            </a:pPr>
+            <a:r>
+              <a:rPr lang="en-GB" b="1" dirty="0">
+                <a:solidFill>
+                  <a:srgbClr val="009999"/>
+                </a:solidFill>
+              </a:rPr>
+              <a:t>Upgrades</a:t>
+            </a:r>
+          </a:p>
+          <a:p>
+            <a:pPr marL="0" indent="0">
+              <a:buNone/>
+            </a:pPr>
+            <a:r>
+              <a:rPr lang="en-GB" dirty="0"/>
+              <a:t>Network connectivity</a:t>
+            </a:r>
+          </a:p>
+          <a:p>
+            <a:pPr marL="0" indent="0">
+              <a:buNone/>
+            </a:pPr>
+            <a:r>
+              <a:rPr lang="en-GB" b="1" dirty="0">
+                <a:solidFill>
+                  <a:srgbClr val="009999"/>
+                </a:solidFill>
+              </a:rPr>
+              <a:t>Features</a:t>
+            </a:r>
+          </a:p>
+          <a:p>
+            <a:pPr marL="0" indent="0">
+              <a:buNone/>
+            </a:pPr>
+            <a:r>
+              <a:rPr lang="en-GB" dirty="0"/>
+              <a:t>Remote connection and monitoring</a:t>
+            </a:r>
+          </a:p>
+          <a:p>
+            <a:pPr marL="0" indent="0">
+              <a:buNone/>
+            </a:pPr>
+            <a:r>
+              <a:rPr lang="en-GB" b="1" dirty="0">
+                <a:solidFill>
+                  <a:srgbClr val="5700CC"/>
+                </a:solidFill>
+              </a:rPr>
+              <a:t>Costs</a:t>
+            </a:r>
+          </a:p>
+          <a:p>
+            <a:pPr marL="0" indent="0">
+              <a:buNone/>
+            </a:pPr>
+            <a:r>
+              <a:rPr lang="en-GB" dirty="0"/>
+              <a:t>App development</a:t>
+            </a:r>
+          </a:p>
+          <a:p>
+            <a:pPr marL="0" indent="0">
+              <a:buNone/>
+            </a:pPr>
+            <a:r>
+              <a:rPr lang="en-GB" dirty="0"/>
+              <a:t>Maintenance</a:t>
+            </a:r>
+          </a:p>
+          <a:p>
+            <a:pPr marL="0" indent="0">
+              <a:buNone/>
+            </a:pPr>
+            <a:r>
+              <a:rPr lang="en-GB" dirty="0"/>
+              <a:t>Optimisation algorithms for increased performance</a:t>
+            </a:r>
+          </a:p>
+          <a:p>
+            <a:pPr marL="0" indent="0">
+              <a:buNone/>
+            </a:pPr>
+            <a:r>
+              <a:rPr lang="en-GB" b="1" dirty="0">
+                <a:solidFill>
+                  <a:srgbClr val="5700CC"/>
+                </a:solidFill>
+              </a:rPr>
+              <a:t>Future </a:t>
+            </a:r>
+          </a:p>
+          <a:p>
+            <a:pPr marL="0" indent="0">
+              <a:buNone/>
+            </a:pPr>
+            <a:r>
+              <a:rPr lang="en-GB" dirty="0"/>
+              <a:t>Integration with future devices e.g. Cold gloves and socks for CIPN treatment</a:t>
+            </a:r>
+          </a:p>
+        </p:txBody>
+      </p:sp>
+    </p:spTree>
+    <p:extLst>
+      <p:ext uri="{BB962C8B-B14F-4D97-AF65-F5344CB8AC3E}">
+        <p14:creationId xmlns:p14="http://schemas.microsoft.com/office/powerpoint/2010/main" val="2671482841"/>
+      </p:ext>
+    </p:extLst>
+  </p:cSld>
+  <p:clrMapOvr>
+    <a:overrideClrMapping bg1="dk1" tx1="lt1" bg2="dk2" tx2="lt2" accent1="accent1" accent2="accent2" accent3="accent3" accent4="accent4" accent5="accent5" accent6="accent6" hlink="hlink" folHlink="folHlink"/>
+  </p:clrMapOvr>
 </p:sld>
 </file>
 
